--- a/Präsentation Projektarbeit GTI_ZH2_GR2_Hutter_Walker.pptx
+++ b/Präsentation Projektarbeit GTI_ZH2_GR2_Hutter_Walker.pptx
@@ -14,10 +14,10 @@
     <p:sldId id="265" r:id="rId5"/>
     <p:sldId id="266" r:id="rId6"/>
     <p:sldId id="270" r:id="rId7"/>
-    <p:sldId id="269" r:id="rId8"/>
-    <p:sldId id="268" r:id="rId9"/>
-    <p:sldId id="267" r:id="rId10"/>
-    <p:sldId id="263" r:id="rId11"/>
+    <p:sldId id="263" r:id="rId8"/>
+    <p:sldId id="269" r:id="rId9"/>
+    <p:sldId id="268" r:id="rId10"/>
+    <p:sldId id="267" r:id="rId11"/>
     <p:sldId id="264" r:id="rId12"/>
   </p:sldIdLst>
   <p:sldSz cx="12192000" cy="6858000"/>
@@ -1694,7 +1694,7 @@
           <p:cNvPr id="2" name="Titel 1">
             <a:extLst>
               <a:ext uri="{FF2B5EF4-FFF2-40B4-BE49-F238E27FC236}">
-                <a16:creationId xmlns:a16="http://schemas.microsoft.com/office/drawing/2014/main" id="{A2F6B2CC-34DB-4087-BD17-9E7E77EE6C30}"/>
+                <a16:creationId xmlns:a16="http://schemas.microsoft.com/office/drawing/2014/main" id="{192AFB7C-72EA-4933-A4B7-BEE7228896E9}"/>
               </a:ext>
             </a:extLst>
           </p:cNvPr>
@@ -1712,50 +1712,112 @@
           <a:p>
             <a:r>
               <a:rPr lang="de-CH" dirty="0"/>
-              <a:t>Live-Demonstration</a:t>
+              <a:t>Lösungsansätze (3) </a:t>
             </a:r>
           </a:p>
         </p:txBody>
       </p:sp>
-      <p:pic>
-        <p:nvPicPr>
-          <p:cNvPr id="7" name="Grafik 6">
+      <p:sp>
+        <p:nvSpPr>
+          <p:cNvPr id="3" name="Textplatzhalter 2">
             <a:extLst>
               <a:ext uri="{FF2B5EF4-FFF2-40B4-BE49-F238E27FC236}">
-                <a16:creationId xmlns:a16="http://schemas.microsoft.com/office/drawing/2014/main" id="{F523A990-97E7-484F-B4D6-F0F8093FF0FA}"/>
+                <a16:creationId xmlns:a16="http://schemas.microsoft.com/office/drawing/2014/main" id="{595E66E5-27DB-4E77-AD87-69F0E3595FAE}"/>
               </a:ext>
             </a:extLst>
           </p:cNvPr>
-          <p:cNvPicPr>
-            <a:picLocks noChangeAspect="1"/>
-          </p:cNvPicPr>
-          <p:nvPr/>
-        </p:nvPicPr>
-        <p:blipFill rotWithShape="1">
-          <a:blip r:embed="rId2">
-            <a:extLst>
-              <a:ext uri="{28A0092B-C50C-407E-A947-70E740481C1C}">
-                <a14:useLocalDpi xmlns:a14="http://schemas.microsoft.com/office/drawing/2010/main" val="0"/>
-              </a:ext>
-            </a:extLst>
-          </a:blip>
-          <a:srcRect l="12258" t="7312" r="15403" b="10251"/>
-          <a:stretch/>
-        </p:blipFill>
-        <p:spPr>
-          <a:xfrm>
-            <a:off x="2772696" y="2059731"/>
-            <a:ext cx="6449962" cy="4134591"/>
-          </a:xfrm>
-          <a:prstGeom prst="rect">
-            <a:avLst/>
-          </a:prstGeom>
-        </p:spPr>
-      </p:pic>
+          <p:cNvSpPr>
+            <a:spLocks noGrp="1"/>
+          </p:cNvSpPr>
+          <p:nvPr>
+            <p:ph type="body" sz="quarter" idx="14"/>
+          </p:nvPr>
+        </p:nvSpPr>
+        <p:spPr/>
+        <p:txBody>
+          <a:bodyPr rIns="396000"/>
+          <a:lstStyle/>
+          <a:p>
+            <a:r>
+              <a:rPr lang="de-CH" dirty="0"/>
+              <a:t>Frequenzbewertung</a:t>
+            </a:r>
+          </a:p>
+          <a:p>
+            <a:pPr lvl="1"/>
+            <a:r>
+              <a:rPr lang="de-CH" dirty="0"/>
+              <a:t>Höchste Empfindlichkeit des menschlichen Gehörs liegt zwischen 2000Hz und 4000Hz</a:t>
+            </a:r>
+          </a:p>
+          <a:p>
+            <a:pPr lvl="1"/>
+            <a:r>
+              <a:rPr lang="de-CH" dirty="0"/>
+              <a:t>Vorteile der im Code als Default verwendeten 2000Hz</a:t>
+            </a:r>
+          </a:p>
+          <a:p>
+            <a:pPr lvl="2"/>
+            <a:r>
+              <a:rPr lang="de-CH" dirty="0"/>
+              <a:t>Ton wird als lauter empfunden als tiefere Frequenzen</a:t>
+            </a:r>
+          </a:p>
+          <a:p>
+            <a:pPr lvl="2"/>
+            <a:r>
+              <a:rPr lang="de-CH" dirty="0"/>
+              <a:t>Tief genug, dass Tonhöhe noch als einigermassen angenehm empfunden wird</a:t>
+            </a:r>
+          </a:p>
+          <a:p>
+            <a:pPr lvl="2"/>
+            <a:r>
+              <a:rPr lang="de-CH" dirty="0"/>
+              <a:t>Code einfach zu lesen (</a:t>
+            </a:r>
+            <a:r>
+              <a:rPr lang="de-CH" dirty="0" err="1"/>
+              <a:t>Dit</a:t>
+            </a:r>
+            <a:r>
+              <a:rPr lang="de-CH" dirty="0"/>
+              <a:t>-Schleife kann auf gewünschte Anzahl Millisekunden gesetzt werden)</a:t>
+            </a:r>
+          </a:p>
+          <a:p>
+            <a:endParaRPr lang="de-CH" sz="2400" dirty="0"/>
+          </a:p>
+          <a:p>
+            <a:r>
+              <a:rPr lang="de-CH" dirty="0"/>
+              <a:t>Kommentierung</a:t>
+            </a:r>
+          </a:p>
+          <a:p>
+            <a:pPr lvl="1"/>
+            <a:r>
+              <a:rPr lang="de-CH" dirty="0"/>
+              <a:t>Code soll selbsterklärend sein</a:t>
+            </a:r>
+          </a:p>
+          <a:p>
+            <a:pPr lvl="1"/>
+            <a:r>
+              <a:rPr lang="de-CH" dirty="0"/>
+              <a:t>Dritte sollen Code leicht für individuelle Zwecke anpassen können</a:t>
+            </a:r>
+          </a:p>
+          <a:p>
+            <a:endParaRPr lang="de-CH" dirty="0"/>
+          </a:p>
+        </p:txBody>
+      </p:sp>
     </p:spTree>
     <p:extLst>
       <p:ext uri="{BB962C8B-B14F-4D97-AF65-F5344CB8AC3E}">
-        <p14:creationId xmlns:p14="http://schemas.microsoft.com/office/powerpoint/2010/main" val="1328876676"/>
+        <p14:creationId xmlns:p14="http://schemas.microsoft.com/office/powerpoint/2010/main" val="179329487"/>
       </p:ext>
     </p:extLst>
   </p:cSld>
@@ -2019,6 +2081,12 @@
           <a:p>
             <a:r>
               <a:rPr lang="de-CH" dirty="0"/>
+              <a:t>Live-Demonstration</a:t>
+            </a:r>
+          </a:p>
+          <a:p>
+            <a:r>
+              <a:rPr lang="de-CH" dirty="0"/>
               <a:t>Lösungsansätze</a:t>
             </a:r>
           </a:p>
@@ -2027,12 +2095,6 @@
             <a:r>
               <a:rPr lang="de-CH" dirty="0"/>
               <a:t>…</a:t>
-            </a:r>
-          </a:p>
-          <a:p>
-            <a:r>
-              <a:rPr lang="de-CH" dirty="0"/>
-              <a:t>Live-Demonstration </a:t>
             </a:r>
           </a:p>
           <a:p>
@@ -2059,7 +2121,7 @@
         </p:nvSpPr>
         <p:spPr>
           <a:xfrm>
-            <a:off x="5614220" y="3330927"/>
+            <a:off x="5060038" y="3786795"/>
             <a:ext cx="6577780" cy="1443915"/>
           </a:xfrm>
           <a:prstGeom prst="rect">
@@ -2260,21 +2322,21 @@
             <a:endParaRPr lang="de-CH" dirty="0"/>
           </a:p>
           <a:p>
-            <a:pPr lvl="1"/>
+            <a:pPr lvl="2"/>
             <a:r>
               <a:rPr lang="de-CH" dirty="0"/>
               <a:t>Taktunabhängigkeit</a:t>
             </a:r>
           </a:p>
           <a:p>
-            <a:pPr lvl="1"/>
+            <a:pPr lvl="2"/>
             <a:r>
               <a:rPr lang="de-CH" dirty="0"/>
               <a:t>Code für Morse-Signal</a:t>
             </a:r>
           </a:p>
           <a:p>
-            <a:pPr lvl="1"/>
+            <a:pPr lvl="2"/>
             <a:r>
               <a:rPr lang="de-CH" dirty="0"/>
               <a:t>Definition einer Basis-Zeiteinheit «</a:t>
@@ -2289,14 +2351,14 @@
             </a:r>
           </a:p>
           <a:p>
-            <a:pPr lvl="1"/>
+            <a:pPr lvl="2"/>
             <a:r>
               <a:rPr lang="de-CH" dirty="0"/>
               <a:t>Branches der einzelnen Zeichen</a:t>
             </a:r>
           </a:p>
           <a:p>
-            <a:pPr lvl="1"/>
+            <a:pPr lvl="2"/>
             <a:r>
               <a:rPr lang="de-CH" dirty="0"/>
               <a:t>Ablauf innerhalb eines </a:t>
@@ -2308,14 +2370,14 @@
             <a:endParaRPr lang="de-CH" dirty="0"/>
           </a:p>
           <a:p>
-            <a:pPr lvl="1"/>
+            <a:pPr lvl="2"/>
             <a:r>
               <a:rPr lang="de-CH" dirty="0"/>
               <a:t>Frequenzbewertung</a:t>
             </a:r>
           </a:p>
           <a:p>
-            <a:pPr lvl="1"/>
+            <a:pPr lvl="2"/>
             <a:r>
               <a:rPr lang="de-CH" dirty="0"/>
               <a:t>Kommentierung</a:t>
@@ -2325,10 +2387,10 @@
       </p:sp>
       <p:grpSp>
         <p:nvGrpSpPr>
-          <p:cNvPr id="9" name="Gruppieren 8">
+          <p:cNvPr id="6" name="Gruppieren 5">
             <a:extLst>
               <a:ext uri="{FF2B5EF4-FFF2-40B4-BE49-F238E27FC236}">
-                <a16:creationId xmlns:a16="http://schemas.microsoft.com/office/drawing/2014/main" id="{B4349966-C5DE-4FA4-A19A-780B1962B1A5}"/>
+                <a16:creationId xmlns:a16="http://schemas.microsoft.com/office/drawing/2014/main" id="{4352D1BB-0ABF-4113-8FEB-8D8B448D4134}"/>
               </a:ext>
             </a:extLst>
           </p:cNvPr>
@@ -2337,10 +2399,10 @@
         </p:nvGrpSpPr>
         <p:grpSpPr>
           <a:xfrm>
-            <a:off x="1634615" y="3330926"/>
-            <a:ext cx="4894004" cy="2548764"/>
-            <a:chOff x="1634615" y="3330926"/>
-            <a:chExt cx="4894004" cy="2548764"/>
+            <a:off x="1684337" y="4004347"/>
+            <a:ext cx="4781119" cy="2133656"/>
+            <a:chOff x="1684337" y="4004347"/>
+            <a:chExt cx="4781119" cy="2133656"/>
           </a:xfrm>
         </p:grpSpPr>
         <p:sp>
@@ -2357,13 +2419,13 @@
           </p:nvSpPr>
           <p:spPr>
             <a:xfrm>
-              <a:off x="5887069" y="3330926"/>
-              <a:ext cx="641550" cy="2548764"/>
+              <a:off x="5936792" y="4004347"/>
+              <a:ext cx="528664" cy="2133656"/>
             </a:xfrm>
             <a:prstGeom prst="leftBrace">
               <a:avLst>
                 <a:gd name="adj1" fmla="val 127096"/>
-                <a:gd name="adj2" fmla="val 56474"/>
+                <a:gd name="adj2" fmla="val 57732"/>
               </a:avLst>
             </a:prstGeom>
             <a:noFill/>
@@ -2412,7 +2474,7 @@
           </p:nvCxnSpPr>
           <p:spPr>
             <a:xfrm flipH="1" flipV="1">
-              <a:off x="1634615" y="4762252"/>
+              <a:off x="1684337" y="5224415"/>
               <a:ext cx="4252453" cy="12590"/>
             </a:xfrm>
             <a:prstGeom prst="line">
@@ -2897,6 +2959,99 @@
           <p:cNvPr id="2" name="Titel 1">
             <a:extLst>
               <a:ext uri="{FF2B5EF4-FFF2-40B4-BE49-F238E27FC236}">
+                <a16:creationId xmlns:a16="http://schemas.microsoft.com/office/drawing/2014/main" id="{A2F6B2CC-34DB-4087-BD17-9E7E77EE6C30}"/>
+              </a:ext>
+            </a:extLst>
+          </p:cNvPr>
+          <p:cNvSpPr>
+            <a:spLocks noGrp="1"/>
+          </p:cNvSpPr>
+          <p:nvPr>
+            <p:ph type="title"/>
+          </p:nvPr>
+        </p:nvSpPr>
+        <p:spPr/>
+        <p:txBody>
+          <a:bodyPr/>
+          <a:lstStyle/>
+          <a:p>
+            <a:r>
+              <a:rPr lang="de-CH" dirty="0"/>
+              <a:t>Live-Demonstration</a:t>
+            </a:r>
+          </a:p>
+        </p:txBody>
+      </p:sp>
+      <p:pic>
+        <p:nvPicPr>
+          <p:cNvPr id="7" name="Grafik 6">
+            <a:extLst>
+              <a:ext uri="{FF2B5EF4-FFF2-40B4-BE49-F238E27FC236}">
+                <a16:creationId xmlns:a16="http://schemas.microsoft.com/office/drawing/2014/main" id="{F523A990-97E7-484F-B4D6-F0F8093FF0FA}"/>
+              </a:ext>
+            </a:extLst>
+          </p:cNvPr>
+          <p:cNvPicPr>
+            <a:picLocks noChangeAspect="1"/>
+          </p:cNvPicPr>
+          <p:nvPr/>
+        </p:nvPicPr>
+        <p:blipFill rotWithShape="1">
+          <a:blip r:embed="rId2">
+            <a:extLst>
+              <a:ext uri="{28A0092B-C50C-407E-A947-70E740481C1C}">
+                <a14:useLocalDpi xmlns:a14="http://schemas.microsoft.com/office/drawing/2010/main" val="0"/>
+              </a:ext>
+            </a:extLst>
+          </a:blip>
+          <a:srcRect l="12258" t="7312" r="15403" b="10251"/>
+          <a:stretch/>
+        </p:blipFill>
+        <p:spPr>
+          <a:xfrm>
+            <a:off x="2772696" y="2059731"/>
+            <a:ext cx="6449962" cy="4134591"/>
+          </a:xfrm>
+          <a:prstGeom prst="rect">
+            <a:avLst/>
+          </a:prstGeom>
+        </p:spPr>
+      </p:pic>
+    </p:spTree>
+    <p:extLst>
+      <p:ext uri="{BB962C8B-B14F-4D97-AF65-F5344CB8AC3E}">
+        <p14:creationId xmlns:p14="http://schemas.microsoft.com/office/powerpoint/2010/main" val="1328876676"/>
+      </p:ext>
+    </p:extLst>
+  </p:cSld>
+  <p:clrMapOvr>
+    <a:masterClrMapping/>
+  </p:clrMapOvr>
+</p:sld>
+</file>
+
+<file path=ppt/slides/slide8.xml><?xml version="1.0" encoding="utf-8"?>
+<p:sld xmlns:a="http://schemas.openxmlformats.org/drawingml/2006/main" xmlns:r="http://schemas.openxmlformats.org/officeDocument/2006/relationships" xmlns:p="http://schemas.openxmlformats.org/presentationml/2006/main">
+  <p:cSld>
+    <p:spTree>
+      <p:nvGrpSpPr>
+        <p:cNvPr id="1" name=""/>
+        <p:cNvGrpSpPr/>
+        <p:nvPr/>
+      </p:nvGrpSpPr>
+      <p:grpSpPr>
+        <a:xfrm>
+          <a:off x="0" y="0"/>
+          <a:ext cx="0" cy="0"/>
+          <a:chOff x="0" y="0"/>
+          <a:chExt cx="0" cy="0"/>
+        </a:xfrm>
+      </p:grpSpPr>
+      <p:sp>
+        <p:nvSpPr>
+          <p:cNvPr id="2" name="Titel 1">
+            <a:extLst>
+              <a:ext uri="{FF2B5EF4-FFF2-40B4-BE49-F238E27FC236}">
                 <a16:creationId xmlns:a16="http://schemas.microsoft.com/office/drawing/2014/main" id="{EF2CCD6D-ACD6-4360-843F-2F990B027865}"/>
               </a:ext>
             </a:extLst>
@@ -3306,7 +3461,7 @@
 </p:sld>
 </file>
 
-<file path=ppt/slides/slide8.xml><?xml version="1.0" encoding="utf-8"?>
+<file path=ppt/slides/slide9.xml><?xml version="1.0" encoding="utf-8"?>
 <p:sld xmlns:a="http://schemas.openxmlformats.org/drawingml/2006/main" xmlns:r="http://schemas.openxmlformats.org/officeDocument/2006/relationships" xmlns:p="http://schemas.openxmlformats.org/presentationml/2006/main">
   <p:cSld>
     <p:spTree>
@@ -3783,161 +3938,6 @@
     <p:extLst>
       <p:ext uri="{BB962C8B-B14F-4D97-AF65-F5344CB8AC3E}">
         <p14:creationId xmlns:p14="http://schemas.microsoft.com/office/powerpoint/2010/main" val="3343214094"/>
-      </p:ext>
-    </p:extLst>
-  </p:cSld>
-  <p:clrMapOvr>
-    <a:masterClrMapping/>
-  </p:clrMapOvr>
-</p:sld>
-</file>
-
-<file path=ppt/slides/slide9.xml><?xml version="1.0" encoding="utf-8"?>
-<p:sld xmlns:a="http://schemas.openxmlformats.org/drawingml/2006/main" xmlns:r="http://schemas.openxmlformats.org/officeDocument/2006/relationships" xmlns:p="http://schemas.openxmlformats.org/presentationml/2006/main">
-  <p:cSld>
-    <p:spTree>
-      <p:nvGrpSpPr>
-        <p:cNvPr id="1" name=""/>
-        <p:cNvGrpSpPr/>
-        <p:nvPr/>
-      </p:nvGrpSpPr>
-      <p:grpSpPr>
-        <a:xfrm>
-          <a:off x="0" y="0"/>
-          <a:ext cx="0" cy="0"/>
-          <a:chOff x="0" y="0"/>
-          <a:chExt cx="0" cy="0"/>
-        </a:xfrm>
-      </p:grpSpPr>
-      <p:sp>
-        <p:nvSpPr>
-          <p:cNvPr id="2" name="Titel 1">
-            <a:extLst>
-              <a:ext uri="{FF2B5EF4-FFF2-40B4-BE49-F238E27FC236}">
-                <a16:creationId xmlns:a16="http://schemas.microsoft.com/office/drawing/2014/main" id="{192AFB7C-72EA-4933-A4B7-BEE7228896E9}"/>
-              </a:ext>
-            </a:extLst>
-          </p:cNvPr>
-          <p:cNvSpPr>
-            <a:spLocks noGrp="1"/>
-          </p:cNvSpPr>
-          <p:nvPr>
-            <p:ph type="title"/>
-          </p:nvPr>
-        </p:nvSpPr>
-        <p:spPr/>
-        <p:txBody>
-          <a:bodyPr/>
-          <a:lstStyle/>
-          <a:p>
-            <a:r>
-              <a:rPr lang="de-CH" dirty="0"/>
-              <a:t>Lösungsansätze (3) </a:t>
-            </a:r>
-          </a:p>
-        </p:txBody>
-      </p:sp>
-      <p:sp>
-        <p:nvSpPr>
-          <p:cNvPr id="3" name="Textplatzhalter 2">
-            <a:extLst>
-              <a:ext uri="{FF2B5EF4-FFF2-40B4-BE49-F238E27FC236}">
-                <a16:creationId xmlns:a16="http://schemas.microsoft.com/office/drawing/2014/main" id="{595E66E5-27DB-4E77-AD87-69F0E3595FAE}"/>
-              </a:ext>
-            </a:extLst>
-          </p:cNvPr>
-          <p:cNvSpPr>
-            <a:spLocks noGrp="1"/>
-          </p:cNvSpPr>
-          <p:nvPr>
-            <p:ph type="body" sz="quarter" idx="14"/>
-          </p:nvPr>
-        </p:nvSpPr>
-        <p:spPr/>
-        <p:txBody>
-          <a:bodyPr rIns="396000"/>
-          <a:lstStyle/>
-          <a:p>
-            <a:r>
-              <a:rPr lang="de-CH" dirty="0"/>
-              <a:t>Frequenzbewertung</a:t>
-            </a:r>
-          </a:p>
-          <a:p>
-            <a:pPr lvl="1"/>
-            <a:r>
-              <a:rPr lang="de-CH" dirty="0"/>
-              <a:t>Höchste Empfindlichkeit des menschlichen Gehörs liegt zwischen 2000Hz und 4000Hz</a:t>
-            </a:r>
-          </a:p>
-          <a:p>
-            <a:pPr lvl="1"/>
-            <a:r>
-              <a:rPr lang="de-CH" dirty="0"/>
-              <a:t>Vorteile der im Code als Default verwendeten 2000Hz</a:t>
-            </a:r>
-          </a:p>
-          <a:p>
-            <a:pPr lvl="2"/>
-            <a:r>
-              <a:rPr lang="de-CH" dirty="0"/>
-              <a:t>Ton wird als lauter empfunden als tiefere Frequenzen</a:t>
-            </a:r>
-          </a:p>
-          <a:p>
-            <a:pPr lvl="2"/>
-            <a:r>
-              <a:rPr lang="de-CH" dirty="0"/>
-              <a:t>Tief genug, dass Tonhöhe noch als einigermassen angenehm empfunden wird</a:t>
-            </a:r>
-          </a:p>
-          <a:p>
-            <a:pPr lvl="2"/>
-            <a:r>
-              <a:rPr lang="de-CH" dirty="0"/>
-              <a:t>Code einfach zu lesen (</a:t>
-            </a:r>
-            <a:r>
-              <a:rPr lang="de-CH" dirty="0" err="1"/>
-              <a:t>Dit</a:t>
-            </a:r>
-            <a:r>
-              <a:rPr lang="de-CH" dirty="0"/>
-              <a:t>-Schleife kann auf gewünschte Anzahl Millisekunden gesetzt werden)</a:t>
-            </a:r>
-          </a:p>
-          <a:p>
-            <a:endParaRPr lang="de-CH" sz="2400" dirty="0"/>
-          </a:p>
-          <a:p>
-            <a:r>
-              <a:rPr lang="de-CH" dirty="0"/>
-              <a:t>Kommentierung</a:t>
-            </a:r>
-          </a:p>
-          <a:p>
-            <a:pPr lvl="1"/>
-            <a:r>
-              <a:rPr lang="de-CH" dirty="0"/>
-              <a:t>Code soll selbsterklärend sein</a:t>
-            </a:r>
-          </a:p>
-          <a:p>
-            <a:pPr lvl="1"/>
-            <a:r>
-              <a:rPr lang="de-CH" dirty="0"/>
-              <a:t>Dritte sollen Code leicht für individuelle Zwecke anpassen können</a:t>
-            </a:r>
-          </a:p>
-          <a:p>
-            <a:endParaRPr lang="de-CH" dirty="0"/>
-          </a:p>
-        </p:txBody>
-      </p:sp>
-    </p:spTree>
-    <p:extLst>
-      <p:ext uri="{BB962C8B-B14F-4D97-AF65-F5344CB8AC3E}">
-        <p14:creationId xmlns:p14="http://schemas.microsoft.com/office/powerpoint/2010/main" val="179329487"/>
       </p:ext>
     </p:extLst>
   </p:cSld>

--- a/Präsentation Projektarbeit GTI_ZH2_GR2_Hutter_Walker.pptx
+++ b/Präsentation Projektarbeit GTI_ZH2_GR2_Hutter_Walker.pptx
@@ -207,7 +207,7 @@
           <a:p>
             <a:fld id="{F8590B59-3387-4079-93DD-49E8660FB32A}" type="datetimeFigureOut">
               <a:rPr lang="de-CH" smtClean="0"/>
-              <a:t>26.11.2019</a:t>
+              <a:t>27.11.2019</a:t>
             </a:fld>
             <a:endParaRPr lang="de-CH"/>
           </a:p>
@@ -1024,10 +1024,9 @@
           <a:bodyPr lIns="540000" tIns="0" rIns="360000" bIns="0" anchor="ctr" anchorCtr="0"/>
           <a:lstStyle/>
           <a:p>
-            <a:fld id="{F2B2CC9E-D4E2-40D0-9AE8-98442E92A662}" type="datetime4">
+            <a:fld id="{920E2AD1-4469-4E31-8A01-C1E16A225545}" type="datetime4">
               <a:rPr lang="de-CH" sz="1400" smtClean="0"/>
-              <a:pPr/>
-              <a:t>26. November 2019</a:t>
+              <a:t>27. November 2019</a:t>
             </a:fld>
             <a:endParaRPr lang="de-CH" sz="1400" dirty="0"/>
           </a:p>
@@ -1060,10 +1059,15 @@
         </p:spPr>
         <p:txBody>
           <a:bodyPr lIns="360000" tIns="0" rIns="540000" bIns="0" anchor="ctr" anchorCtr="0"/>
-          <a:lstStyle/>
+          <a:lstStyle>
+            <a:lvl1pPr algn="r">
+              <a:defRPr/>
+            </a:lvl1pPr>
+          </a:lstStyle>
           <a:p>
             <a:fld id="{AD87588A-2093-422D-9F8E-968409914A04}" type="slidenum">
               <a:rPr lang="de-CH" sz="1400" smtClean="0"/>
+              <a:pPr/>
               <a:t>‹Nr.›</a:t>
             </a:fld>
             <a:endParaRPr lang="de-CH" sz="1400" dirty="0"/>
@@ -1267,6 +1271,7 @@
     <p:sldLayoutId id="2147483649" r:id="rId1"/>
     <p:sldLayoutId id="2147483650" r:id="rId2"/>
   </p:sldLayoutIdLst>
+  <p:hf hdr="0" ftr="0"/>
   <p:txStyles>
     <p:titleStyle>
       <a:lvl1pPr algn="l" defTabSz="914400" rtl="0" eaLnBrk="1" latinLnBrk="0" hangingPunct="1">
@@ -1613,7 +1618,12 @@
             <p:ph type="body" sz="quarter" idx="10"/>
           </p:nvPr>
         </p:nvSpPr>
-        <p:spPr/>
+        <p:spPr>
+          <a:xfrm>
+            <a:off x="0" y="2635045"/>
+            <a:ext cx="9783097" cy="793955"/>
+          </a:xfrm>
+        </p:spPr>
         <p:txBody>
           <a:bodyPr/>
           <a:lstStyle/>
@@ -1712,7 +1722,7 @@
           <a:p>
             <a:r>
               <a:rPr lang="de-CH" dirty="0"/>
-              <a:t>Lösungsansätze (3) </a:t>
+              <a:t>Lösungsansätze (3/3) </a:t>
             </a:r>
           </a:p>
         </p:txBody>
@@ -1811,6 +1821,65 @@
           </a:p>
           <a:p>
             <a:endParaRPr lang="de-CH" dirty="0"/>
+          </a:p>
+        </p:txBody>
+      </p:sp>
+      <p:sp>
+        <p:nvSpPr>
+          <p:cNvPr id="6" name="Datumsplatzhalter 5">
+            <a:extLst>
+              <a:ext uri="{FF2B5EF4-FFF2-40B4-BE49-F238E27FC236}">
+                <a16:creationId xmlns:a16="http://schemas.microsoft.com/office/drawing/2014/main" id="{A90097BE-68D1-4B12-A3E0-AD842809C388}"/>
+              </a:ext>
+            </a:extLst>
+          </p:cNvPr>
+          <p:cNvSpPr>
+            <a:spLocks noGrp="1"/>
+          </p:cNvSpPr>
+          <p:nvPr>
+            <p:ph type="dt" sz="half" idx="10"/>
+          </p:nvPr>
+        </p:nvSpPr>
+        <p:spPr/>
+        <p:txBody>
+          <a:bodyPr/>
+          <a:lstStyle/>
+          <a:p>
+            <a:fld id="{F000B4DE-7D8F-41B8-AE01-C29DBC155213}" type="datetime4">
+              <a:rPr lang="de-CH" sz="1400" smtClean="0"/>
+              <a:t>27. November 2019</a:t>
+            </a:fld>
+            <a:endParaRPr lang="de-CH" sz="1400" dirty="0"/>
+          </a:p>
+        </p:txBody>
+      </p:sp>
+      <p:sp>
+        <p:nvSpPr>
+          <p:cNvPr id="7" name="Foliennummernplatzhalter 6">
+            <a:extLst>
+              <a:ext uri="{FF2B5EF4-FFF2-40B4-BE49-F238E27FC236}">
+                <a16:creationId xmlns:a16="http://schemas.microsoft.com/office/drawing/2014/main" id="{3AE49A5D-B0C2-4FB6-AE14-F3EA30B58AEA}"/>
+              </a:ext>
+            </a:extLst>
+          </p:cNvPr>
+          <p:cNvSpPr>
+            <a:spLocks noGrp="1"/>
+          </p:cNvSpPr>
+          <p:nvPr>
+            <p:ph type="sldNum" sz="quarter" idx="12"/>
+          </p:nvPr>
+        </p:nvSpPr>
+        <p:spPr/>
+        <p:txBody>
+          <a:bodyPr/>
+          <a:lstStyle/>
+          <a:p>
+            <a:fld id="{AD87588A-2093-422D-9F8E-968409914A04}" type="slidenum">
+              <a:rPr lang="de-CH" sz="1400" smtClean="0"/>
+              <a:pPr/>
+              <a:t>10</a:t>
+            </a:fld>
+            <a:endParaRPr lang="de-CH" sz="1400" dirty="0"/>
           </a:p>
         </p:txBody>
       </p:sp>
@@ -1968,6 +2037,65 @@
               <a:rPr lang="de-CH" dirty="0"/>
               <a:t> </a:t>
             </a:r>
+          </a:p>
+        </p:txBody>
+      </p:sp>
+      <p:sp>
+        <p:nvSpPr>
+          <p:cNvPr id="6" name="Datumsplatzhalter 5">
+            <a:extLst>
+              <a:ext uri="{FF2B5EF4-FFF2-40B4-BE49-F238E27FC236}">
+                <a16:creationId xmlns:a16="http://schemas.microsoft.com/office/drawing/2014/main" id="{C7E35E21-2596-446D-9D7B-2EAA7ED2F50C}"/>
+              </a:ext>
+            </a:extLst>
+          </p:cNvPr>
+          <p:cNvSpPr>
+            <a:spLocks noGrp="1"/>
+          </p:cNvSpPr>
+          <p:nvPr>
+            <p:ph type="dt" sz="half" idx="10"/>
+          </p:nvPr>
+        </p:nvSpPr>
+        <p:spPr/>
+        <p:txBody>
+          <a:bodyPr/>
+          <a:lstStyle/>
+          <a:p>
+            <a:fld id="{0E3FC94E-2897-4EAB-8F8C-DED072A62267}" type="datetime4">
+              <a:rPr lang="de-CH" sz="1400" smtClean="0"/>
+              <a:t>27. November 2019</a:t>
+            </a:fld>
+            <a:endParaRPr lang="de-CH" sz="1400" dirty="0"/>
+          </a:p>
+        </p:txBody>
+      </p:sp>
+      <p:sp>
+        <p:nvSpPr>
+          <p:cNvPr id="7" name="Foliennummernplatzhalter 6">
+            <a:extLst>
+              <a:ext uri="{FF2B5EF4-FFF2-40B4-BE49-F238E27FC236}">
+                <a16:creationId xmlns:a16="http://schemas.microsoft.com/office/drawing/2014/main" id="{FF8F655F-9570-4DDC-A661-FEA8BEB9F3D8}"/>
+              </a:ext>
+            </a:extLst>
+          </p:cNvPr>
+          <p:cNvSpPr>
+            <a:spLocks noGrp="1"/>
+          </p:cNvSpPr>
+          <p:nvPr>
+            <p:ph type="sldNum" sz="quarter" idx="12"/>
+          </p:nvPr>
+        </p:nvSpPr>
+        <p:spPr/>
+        <p:txBody>
+          <a:bodyPr/>
+          <a:lstStyle/>
+          <a:p>
+            <a:fld id="{AD87588A-2093-422D-9F8E-968409914A04}" type="slidenum">
+              <a:rPr lang="de-CH" sz="1400" smtClean="0"/>
+              <a:pPr/>
+              <a:t>11</a:t>
+            </a:fld>
+            <a:endParaRPr lang="de-CH" sz="1400" dirty="0"/>
           </a:p>
         </p:txBody>
       </p:sp>
@@ -2502,6 +2630,65 @@
           </p:style>
         </p:cxnSp>
       </p:grpSp>
+      <p:sp>
+        <p:nvSpPr>
+          <p:cNvPr id="10" name="Datumsplatzhalter 9">
+            <a:extLst>
+              <a:ext uri="{FF2B5EF4-FFF2-40B4-BE49-F238E27FC236}">
+                <a16:creationId xmlns:a16="http://schemas.microsoft.com/office/drawing/2014/main" id="{F15AD6DD-1127-43E9-984E-C336C18E3D2B}"/>
+              </a:ext>
+            </a:extLst>
+          </p:cNvPr>
+          <p:cNvSpPr>
+            <a:spLocks noGrp="1"/>
+          </p:cNvSpPr>
+          <p:nvPr>
+            <p:ph type="dt" sz="half" idx="10"/>
+          </p:nvPr>
+        </p:nvSpPr>
+        <p:spPr/>
+        <p:txBody>
+          <a:bodyPr/>
+          <a:lstStyle/>
+          <a:p>
+            <a:fld id="{9965F96B-5853-40C6-946F-2E61786538D8}" type="datetime4">
+              <a:rPr lang="de-CH" sz="1400" smtClean="0"/>
+              <a:t>27. November 2019</a:t>
+            </a:fld>
+            <a:endParaRPr lang="de-CH" sz="1400" dirty="0"/>
+          </a:p>
+        </p:txBody>
+      </p:sp>
+      <p:sp>
+        <p:nvSpPr>
+          <p:cNvPr id="11" name="Foliennummernplatzhalter 10">
+            <a:extLst>
+              <a:ext uri="{FF2B5EF4-FFF2-40B4-BE49-F238E27FC236}">
+                <a16:creationId xmlns:a16="http://schemas.microsoft.com/office/drawing/2014/main" id="{99CDCD17-1817-48AD-A53F-1EC8B75E580F}"/>
+              </a:ext>
+            </a:extLst>
+          </p:cNvPr>
+          <p:cNvSpPr>
+            <a:spLocks noGrp="1"/>
+          </p:cNvSpPr>
+          <p:nvPr>
+            <p:ph type="sldNum" sz="quarter" idx="12"/>
+          </p:nvPr>
+        </p:nvSpPr>
+        <p:spPr/>
+        <p:txBody>
+          <a:bodyPr/>
+          <a:lstStyle/>
+          <a:p>
+            <a:fld id="{AD87588A-2093-422D-9F8E-968409914A04}" type="slidenum">
+              <a:rPr lang="de-CH" sz="1400" smtClean="0"/>
+              <a:pPr/>
+              <a:t>2</a:t>
+            </a:fld>
+            <a:endParaRPr lang="de-CH" sz="1400" dirty="0"/>
+          </a:p>
+        </p:txBody>
+      </p:sp>
     </p:spTree>
     <p:extLst>
       <p:ext uri="{BB962C8B-B14F-4D97-AF65-F5344CB8AC3E}">
@@ -2634,6 +2821,65 @@
           </a:p>
         </p:txBody>
       </p:sp>
+      <p:sp>
+        <p:nvSpPr>
+          <p:cNvPr id="6" name="Datumsplatzhalter 5">
+            <a:extLst>
+              <a:ext uri="{FF2B5EF4-FFF2-40B4-BE49-F238E27FC236}">
+                <a16:creationId xmlns:a16="http://schemas.microsoft.com/office/drawing/2014/main" id="{8A01CE3D-52B9-44B3-8F23-4787E18E5199}"/>
+              </a:ext>
+            </a:extLst>
+          </p:cNvPr>
+          <p:cNvSpPr>
+            <a:spLocks noGrp="1"/>
+          </p:cNvSpPr>
+          <p:nvPr>
+            <p:ph type="dt" sz="half" idx="10"/>
+          </p:nvPr>
+        </p:nvSpPr>
+        <p:spPr/>
+        <p:txBody>
+          <a:bodyPr/>
+          <a:lstStyle/>
+          <a:p>
+            <a:fld id="{2715B2CF-AAEF-48C8-B850-0AC796525A0D}" type="datetime4">
+              <a:rPr lang="de-CH" sz="1400" smtClean="0"/>
+              <a:t>27. November 2019</a:t>
+            </a:fld>
+            <a:endParaRPr lang="de-CH" sz="1400" dirty="0"/>
+          </a:p>
+        </p:txBody>
+      </p:sp>
+      <p:sp>
+        <p:nvSpPr>
+          <p:cNvPr id="7" name="Foliennummernplatzhalter 6">
+            <a:extLst>
+              <a:ext uri="{FF2B5EF4-FFF2-40B4-BE49-F238E27FC236}">
+                <a16:creationId xmlns:a16="http://schemas.microsoft.com/office/drawing/2014/main" id="{0A9BACBB-A935-4ECC-B0FC-C96C60A9BAB4}"/>
+              </a:ext>
+            </a:extLst>
+          </p:cNvPr>
+          <p:cNvSpPr>
+            <a:spLocks noGrp="1"/>
+          </p:cNvSpPr>
+          <p:nvPr>
+            <p:ph type="sldNum" sz="quarter" idx="12"/>
+          </p:nvPr>
+        </p:nvSpPr>
+        <p:spPr/>
+        <p:txBody>
+          <a:bodyPr/>
+          <a:lstStyle/>
+          <a:p>
+            <a:fld id="{AD87588A-2093-422D-9F8E-968409914A04}" type="slidenum">
+              <a:rPr lang="de-CH" sz="1400" smtClean="0"/>
+              <a:pPr/>
+              <a:t>3</a:t>
+            </a:fld>
+            <a:endParaRPr lang="de-CH" sz="1400" dirty="0"/>
+          </a:p>
+        </p:txBody>
+      </p:sp>
     </p:spTree>
     <p:extLst>
       <p:ext uri="{BB962C8B-B14F-4D97-AF65-F5344CB8AC3E}">
@@ -2692,12 +2938,434 @@
           </a:p>
         </p:txBody>
       </p:sp>
-      <p:sp>
-        <p:nvSpPr>
-          <p:cNvPr id="3" name="Textplatzhalter 2">
-            <a:extLst>
-              <a:ext uri="{FF2B5EF4-FFF2-40B4-BE49-F238E27FC236}">
-                <a16:creationId xmlns:a16="http://schemas.microsoft.com/office/drawing/2014/main" id="{5FAEF6C6-1DA8-4F57-AB50-50F24A12F30D}"/>
+      <p:pic>
+        <p:nvPicPr>
+          <p:cNvPr id="4" name="Picture 1345393010">
+            <a:extLst>
+              <a:ext uri="{FF2B5EF4-FFF2-40B4-BE49-F238E27FC236}">
+                <a16:creationId xmlns:a16="http://schemas.microsoft.com/office/drawing/2014/main" id="{4FCB28E6-74E7-427D-A0C8-7A83CDD95099}"/>
+              </a:ext>
+            </a:extLst>
+          </p:cNvPr>
+          <p:cNvPicPr/>
+          <p:nvPr/>
+        </p:nvPicPr>
+        <p:blipFill>
+          <a:blip r:embed="rId2">
+            <a:extLst>
+              <a:ext uri="{28A0092B-C50C-407E-A947-70E740481C1C}">
+                <a14:useLocalDpi xmlns:a14="http://schemas.microsoft.com/office/drawing/2010/main" val="0"/>
+              </a:ext>
+            </a:extLst>
+          </a:blip>
+          <a:stretch>
+            <a:fillRect/>
+          </a:stretch>
+        </p:blipFill>
+        <p:spPr>
+          <a:xfrm>
+            <a:off x="859023" y="2030129"/>
+            <a:ext cx="2658892" cy="1398872"/>
+          </a:xfrm>
+          <a:prstGeom prst="rect">
+            <a:avLst/>
+          </a:prstGeom>
+        </p:spPr>
+      </p:pic>
+      <p:pic>
+        <p:nvPicPr>
+          <p:cNvPr id="6" name="Picture 1183845119">
+            <a:extLst>
+              <a:ext uri="{FF2B5EF4-FFF2-40B4-BE49-F238E27FC236}">
+                <a16:creationId xmlns:a16="http://schemas.microsoft.com/office/drawing/2014/main" id="{66FFAE0B-2FDB-4F51-9397-81672DA375B6}"/>
+              </a:ext>
+            </a:extLst>
+          </p:cNvPr>
+          <p:cNvPicPr/>
+          <p:nvPr/>
+        </p:nvPicPr>
+        <p:blipFill>
+          <a:blip r:embed="rId3">
+            <a:extLst>
+              <a:ext uri="{28A0092B-C50C-407E-A947-70E740481C1C}">
+                <a14:useLocalDpi xmlns:a14="http://schemas.microsoft.com/office/drawing/2010/main" val="0"/>
+              </a:ext>
+            </a:extLst>
+          </a:blip>
+          <a:stretch>
+            <a:fillRect/>
+          </a:stretch>
+        </p:blipFill>
+        <p:spPr>
+          <a:xfrm>
+            <a:off x="1756668" y="4094373"/>
+            <a:ext cx="863600" cy="266700"/>
+          </a:xfrm>
+          <a:prstGeom prst="rect">
+            <a:avLst/>
+          </a:prstGeom>
+        </p:spPr>
+      </p:pic>
+      <p:pic>
+        <p:nvPicPr>
+          <p:cNvPr id="7" name="Picture 1661354237">
+            <a:extLst>
+              <a:ext uri="{FF2B5EF4-FFF2-40B4-BE49-F238E27FC236}">
+                <a16:creationId xmlns:a16="http://schemas.microsoft.com/office/drawing/2014/main" id="{4D1675B7-FA6F-48AE-945C-D540FBD22495}"/>
+              </a:ext>
+            </a:extLst>
+          </p:cNvPr>
+          <p:cNvPicPr/>
+          <p:nvPr/>
+        </p:nvPicPr>
+        <p:blipFill>
+          <a:blip r:embed="rId4">
+            <a:extLst>
+              <a:ext uri="{28A0092B-C50C-407E-A947-70E740481C1C}">
+                <a14:useLocalDpi xmlns:a14="http://schemas.microsoft.com/office/drawing/2010/main" val="0"/>
+              </a:ext>
+            </a:extLst>
+          </a:blip>
+          <a:stretch>
+            <a:fillRect/>
+          </a:stretch>
+        </p:blipFill>
+        <p:spPr>
+          <a:xfrm>
+            <a:off x="1635910" y="4803689"/>
+            <a:ext cx="1105117" cy="1178527"/>
+          </a:xfrm>
+          <a:prstGeom prst="rect">
+            <a:avLst/>
+          </a:prstGeom>
+        </p:spPr>
+      </p:pic>
+      <p:pic>
+        <p:nvPicPr>
+          <p:cNvPr id="8" name="Picture 749460825">
+            <a:extLst>
+              <a:ext uri="{FF2B5EF4-FFF2-40B4-BE49-F238E27FC236}">
+                <a16:creationId xmlns:a16="http://schemas.microsoft.com/office/drawing/2014/main" id="{1B78BE8A-506A-4E95-A938-701773D9F65D}"/>
+              </a:ext>
+            </a:extLst>
+          </p:cNvPr>
+          <p:cNvPicPr/>
+          <p:nvPr/>
+        </p:nvPicPr>
+        <p:blipFill>
+          <a:blip r:embed="rId5">
+            <a:extLst>
+              <a:ext uri="{28A0092B-C50C-407E-A947-70E740481C1C}">
+                <a14:useLocalDpi xmlns:a14="http://schemas.microsoft.com/office/drawing/2010/main" val="0"/>
+              </a:ext>
+            </a:extLst>
+          </a:blip>
+          <a:stretch>
+            <a:fillRect/>
+          </a:stretch>
+        </p:blipFill>
+        <p:spPr>
+          <a:xfrm>
+            <a:off x="7430624" y="2594411"/>
+            <a:ext cx="1076325" cy="257175"/>
+          </a:xfrm>
+          <a:prstGeom prst="rect">
+            <a:avLst/>
+          </a:prstGeom>
+        </p:spPr>
+      </p:pic>
+      <p:pic>
+        <p:nvPicPr>
+          <p:cNvPr id="9" name="Picture 2088908170">
+            <a:extLst>
+              <a:ext uri="{FF2B5EF4-FFF2-40B4-BE49-F238E27FC236}">
+                <a16:creationId xmlns:a16="http://schemas.microsoft.com/office/drawing/2014/main" id="{BB94FF66-6421-4954-B78E-5E119BD1243F}"/>
+              </a:ext>
+            </a:extLst>
+          </p:cNvPr>
+          <p:cNvPicPr/>
+          <p:nvPr/>
+        </p:nvPicPr>
+        <p:blipFill>
+          <a:blip r:embed="rId6">
+            <a:extLst>
+              <a:ext uri="{28A0092B-C50C-407E-A947-70E740481C1C}">
+                <a14:useLocalDpi xmlns:a14="http://schemas.microsoft.com/office/drawing/2010/main" val="0"/>
+              </a:ext>
+            </a:extLst>
+          </a:blip>
+          <a:stretch>
+            <a:fillRect/>
+          </a:stretch>
+        </p:blipFill>
+        <p:spPr>
+          <a:xfrm>
+            <a:off x="6862617" y="4029603"/>
+            <a:ext cx="2212340" cy="396240"/>
+          </a:xfrm>
+          <a:prstGeom prst="rect">
+            <a:avLst/>
+          </a:prstGeom>
+        </p:spPr>
+      </p:pic>
+      <p:sp>
+        <p:nvSpPr>
+          <p:cNvPr id="12" name="Rechteck 11">
+            <a:extLst>
+              <a:ext uri="{FF2B5EF4-FFF2-40B4-BE49-F238E27FC236}">
+                <a16:creationId xmlns:a16="http://schemas.microsoft.com/office/drawing/2014/main" id="{82DA1BDD-60EA-48C3-BD1B-D58BAC774BC1}"/>
+              </a:ext>
+            </a:extLst>
+          </p:cNvPr>
+          <p:cNvSpPr/>
+          <p:nvPr/>
+        </p:nvSpPr>
+        <p:spPr>
+          <a:xfrm>
+            <a:off x="3783402" y="5207349"/>
+            <a:ext cx="3079215" cy="518532"/>
+          </a:xfrm>
+          <a:prstGeom prst="rect">
+            <a:avLst/>
+          </a:prstGeom>
+          <a:noFill/>
+          <a:ln>
+            <a:noFill/>
+          </a:ln>
+        </p:spPr>
+        <p:style>
+          <a:lnRef idx="2">
+            <a:schemeClr val="accent1">
+              <a:shade val="50000"/>
+            </a:schemeClr>
+          </a:lnRef>
+          <a:fillRef idx="1">
+            <a:schemeClr val="accent1"/>
+          </a:fillRef>
+          <a:effectRef idx="0">
+            <a:schemeClr val="accent1"/>
+          </a:effectRef>
+          <a:fontRef idx="minor">
+            <a:schemeClr val="lt1"/>
+          </a:fontRef>
+        </p:style>
+        <p:txBody>
+          <a:bodyPr rtlCol="0" anchor="ctr"/>
+          <a:lstStyle/>
+          <a:p>
+            <a:pPr marL="265113" lvl="1" indent="-230400">
+              <a:buClr>
+                <a:srgbClr val="CF181B"/>
+              </a:buClr>
+              <a:buFont typeface="Wingdings" panose="05000000000000000000" pitchFamily="2" charset="2"/>
+              <a:buChar char="§"/>
+            </a:pPr>
+            <a:r>
+              <a:rPr lang="de-CH" sz="2400" dirty="0">
+                <a:solidFill>
+                  <a:schemeClr val="tx1"/>
+                </a:solidFill>
+              </a:rPr>
+              <a:t>Piezo-Lautsprecher</a:t>
+            </a:r>
+          </a:p>
+        </p:txBody>
+      </p:sp>
+      <p:sp>
+        <p:nvSpPr>
+          <p:cNvPr id="13" name="Rechteck 12">
+            <a:extLst>
+              <a:ext uri="{FF2B5EF4-FFF2-40B4-BE49-F238E27FC236}">
+                <a16:creationId xmlns:a16="http://schemas.microsoft.com/office/drawing/2014/main" id="{C7BC3BED-B94E-45F7-8FD9-1965507916A0}"/>
+              </a:ext>
+            </a:extLst>
+          </p:cNvPr>
+          <p:cNvSpPr/>
+          <p:nvPr/>
+        </p:nvSpPr>
+        <p:spPr>
+          <a:xfrm>
+            <a:off x="3783403" y="3968457"/>
+            <a:ext cx="2057316" cy="518532"/>
+          </a:xfrm>
+          <a:prstGeom prst="rect">
+            <a:avLst/>
+          </a:prstGeom>
+          <a:noFill/>
+          <a:ln>
+            <a:noFill/>
+          </a:ln>
+        </p:spPr>
+        <p:style>
+          <a:lnRef idx="2">
+            <a:schemeClr val="accent1">
+              <a:shade val="50000"/>
+            </a:schemeClr>
+          </a:lnRef>
+          <a:fillRef idx="1">
+            <a:schemeClr val="accent1"/>
+          </a:fillRef>
+          <a:effectRef idx="0">
+            <a:schemeClr val="accent1"/>
+          </a:effectRef>
+          <a:fontRef idx="minor">
+            <a:schemeClr val="lt1"/>
+          </a:fontRef>
+        </p:style>
+        <p:txBody>
+          <a:bodyPr rtlCol="0" anchor="ctr"/>
+          <a:lstStyle/>
+          <a:p>
+            <a:pPr marL="254000" indent="-230400">
+              <a:buClr>
+                <a:srgbClr val="CF181B"/>
+              </a:buClr>
+              <a:buFont typeface="Wingdings" panose="05000000000000000000" pitchFamily="2" charset="2"/>
+              <a:buChar char="§"/>
+            </a:pPr>
+            <a:r>
+              <a:rPr lang="de-CH" sz="2400" dirty="0">
+                <a:solidFill>
+                  <a:schemeClr val="tx1"/>
+                </a:solidFill>
+              </a:rPr>
+              <a:t>LED</a:t>
+            </a:r>
+          </a:p>
+        </p:txBody>
+      </p:sp>
+      <p:sp>
+        <p:nvSpPr>
+          <p:cNvPr id="14" name="Rechteck 13">
+            <a:extLst>
+              <a:ext uri="{FF2B5EF4-FFF2-40B4-BE49-F238E27FC236}">
+                <a16:creationId xmlns:a16="http://schemas.microsoft.com/office/drawing/2014/main" id="{EB1239D8-CDAF-4741-B787-8AC618130F13}"/>
+              </a:ext>
+            </a:extLst>
+          </p:cNvPr>
+          <p:cNvSpPr/>
+          <p:nvPr/>
+        </p:nvSpPr>
+        <p:spPr>
+          <a:xfrm>
+            <a:off x="9275661" y="2470299"/>
+            <a:ext cx="2057316" cy="518532"/>
+          </a:xfrm>
+          <a:prstGeom prst="rect">
+            <a:avLst/>
+          </a:prstGeom>
+          <a:noFill/>
+          <a:ln>
+            <a:noFill/>
+          </a:ln>
+        </p:spPr>
+        <p:style>
+          <a:lnRef idx="2">
+            <a:schemeClr val="accent1">
+              <a:shade val="50000"/>
+            </a:schemeClr>
+          </a:lnRef>
+          <a:fillRef idx="1">
+            <a:schemeClr val="accent1"/>
+          </a:fillRef>
+          <a:effectRef idx="0">
+            <a:schemeClr val="accent1"/>
+          </a:effectRef>
+          <a:fontRef idx="minor">
+            <a:schemeClr val="lt1"/>
+          </a:fontRef>
+        </p:style>
+        <p:txBody>
+          <a:bodyPr rtlCol="0" anchor="ctr"/>
+          <a:lstStyle/>
+          <a:p>
+            <a:pPr marL="342900" indent="-230400">
+              <a:buClr>
+                <a:srgbClr val="CF181B"/>
+              </a:buClr>
+              <a:buFont typeface="Wingdings" panose="05000000000000000000" pitchFamily="2" charset="2"/>
+              <a:buChar char="§"/>
+            </a:pPr>
+            <a:r>
+              <a:rPr lang="de-CH" sz="2400" dirty="0">
+                <a:solidFill>
+                  <a:schemeClr val="tx1"/>
+                </a:solidFill>
+              </a:rPr>
+              <a:t>Widerstand</a:t>
+            </a:r>
+          </a:p>
+        </p:txBody>
+      </p:sp>
+      <p:sp>
+        <p:nvSpPr>
+          <p:cNvPr id="15" name="Rechteck 14">
+            <a:extLst>
+              <a:ext uri="{FF2B5EF4-FFF2-40B4-BE49-F238E27FC236}">
+                <a16:creationId xmlns:a16="http://schemas.microsoft.com/office/drawing/2014/main" id="{C25D57AF-A627-40F0-AC53-4F1DF09858A6}"/>
+              </a:ext>
+            </a:extLst>
+          </p:cNvPr>
+          <p:cNvSpPr/>
+          <p:nvPr/>
+        </p:nvSpPr>
+        <p:spPr>
+          <a:xfrm>
+            <a:off x="9275661" y="3968457"/>
+            <a:ext cx="2916339" cy="518532"/>
+          </a:xfrm>
+          <a:prstGeom prst="rect">
+            <a:avLst/>
+          </a:prstGeom>
+          <a:noFill/>
+          <a:ln>
+            <a:noFill/>
+          </a:ln>
+        </p:spPr>
+        <p:style>
+          <a:lnRef idx="2">
+            <a:schemeClr val="accent1">
+              <a:shade val="50000"/>
+            </a:schemeClr>
+          </a:lnRef>
+          <a:fillRef idx="1">
+            <a:schemeClr val="accent1"/>
+          </a:fillRef>
+          <a:effectRef idx="0">
+            <a:schemeClr val="accent1"/>
+          </a:effectRef>
+          <a:fontRef idx="minor">
+            <a:schemeClr val="lt1"/>
+          </a:fontRef>
+        </p:style>
+        <p:txBody>
+          <a:bodyPr rtlCol="0" anchor="ctr"/>
+          <a:lstStyle/>
+          <a:p>
+            <a:pPr marL="342900" indent="-230400">
+              <a:buClr>
+                <a:srgbClr val="CF181B"/>
+              </a:buClr>
+              <a:buFont typeface="Wingdings" panose="05000000000000000000" pitchFamily="2" charset="2"/>
+              <a:buChar char="§"/>
+            </a:pPr>
+            <a:r>
+              <a:rPr lang="de-CH" sz="2400" dirty="0">
+                <a:solidFill>
+                  <a:schemeClr val="tx1"/>
+                </a:solidFill>
+              </a:rPr>
+              <a:t>Verbindungskabel</a:t>
+            </a:r>
+          </a:p>
+        </p:txBody>
+      </p:sp>
+      <p:sp>
+        <p:nvSpPr>
+          <p:cNvPr id="11" name="Datumsplatzhalter 10">
+            <a:extLst>
+              <a:ext uri="{FF2B5EF4-FFF2-40B4-BE49-F238E27FC236}">
+                <a16:creationId xmlns:a16="http://schemas.microsoft.com/office/drawing/2014/main" id="{6FB0DF60-1C96-483A-B5D6-AD8AF502B4D7}"/>
               </a:ext>
             </a:extLst>
           </p:cNvPr>
@@ -2705,7 +3373,7 @@
             <a:spLocks noGrp="1"/>
           </p:cNvSpPr>
           <p:nvPr>
-            <p:ph type="body" sz="quarter" idx="14"/>
+            <p:ph type="dt" sz="half" idx="10"/>
           </p:nvPr>
         </p:nvSpPr>
         <p:spPr/>
@@ -2713,7 +3381,104 @@
           <a:bodyPr/>
           <a:lstStyle/>
           <a:p>
-            <a:endParaRPr lang="de-CH" dirty="0"/>
+            <a:fld id="{7BEBF430-1B31-449A-B564-875E25A8ED92}" type="datetime4">
+              <a:rPr lang="de-CH" sz="1400" smtClean="0"/>
+              <a:t>27. November 2019</a:t>
+            </a:fld>
+            <a:endParaRPr lang="de-CH" sz="1400" dirty="0"/>
+          </a:p>
+        </p:txBody>
+      </p:sp>
+      <p:sp>
+        <p:nvSpPr>
+          <p:cNvPr id="16" name="Foliennummernplatzhalter 15">
+            <a:extLst>
+              <a:ext uri="{FF2B5EF4-FFF2-40B4-BE49-F238E27FC236}">
+                <a16:creationId xmlns:a16="http://schemas.microsoft.com/office/drawing/2014/main" id="{7CB72E09-3BE5-499F-B1C8-5C15ECC6B144}"/>
+              </a:ext>
+            </a:extLst>
+          </p:cNvPr>
+          <p:cNvSpPr>
+            <a:spLocks noGrp="1"/>
+          </p:cNvSpPr>
+          <p:nvPr>
+            <p:ph type="sldNum" sz="quarter" idx="12"/>
+          </p:nvPr>
+        </p:nvSpPr>
+        <p:spPr/>
+        <p:txBody>
+          <a:bodyPr/>
+          <a:lstStyle/>
+          <a:p>
+            <a:fld id="{AD87588A-2093-422D-9F8E-968409914A04}" type="slidenum">
+              <a:rPr lang="de-CH" sz="1400" smtClean="0"/>
+              <a:pPr/>
+              <a:t>4</a:t>
+            </a:fld>
+            <a:endParaRPr lang="de-CH" sz="1400" dirty="0"/>
+          </a:p>
+        </p:txBody>
+      </p:sp>
+      <p:sp>
+        <p:nvSpPr>
+          <p:cNvPr id="17" name="Rechteck 16">
+            <a:extLst>
+              <a:ext uri="{FF2B5EF4-FFF2-40B4-BE49-F238E27FC236}">
+                <a16:creationId xmlns:a16="http://schemas.microsoft.com/office/drawing/2014/main" id="{48BED106-6B99-45FD-BEF6-FB41B277D5AF}"/>
+              </a:ext>
+            </a:extLst>
+          </p:cNvPr>
+          <p:cNvSpPr/>
+          <p:nvPr/>
+        </p:nvSpPr>
+        <p:spPr>
+          <a:xfrm>
+            <a:off x="3783402" y="2468690"/>
+            <a:ext cx="3079215" cy="518532"/>
+          </a:xfrm>
+          <a:prstGeom prst="rect">
+            <a:avLst/>
+          </a:prstGeom>
+          <a:noFill/>
+          <a:ln>
+            <a:noFill/>
+          </a:ln>
+        </p:spPr>
+        <p:style>
+          <a:lnRef idx="2">
+            <a:schemeClr val="accent1">
+              <a:shade val="50000"/>
+            </a:schemeClr>
+          </a:lnRef>
+          <a:fillRef idx="1">
+            <a:schemeClr val="accent1"/>
+          </a:fillRef>
+          <a:effectRef idx="0">
+            <a:schemeClr val="accent1"/>
+          </a:effectRef>
+          <a:fontRef idx="minor">
+            <a:schemeClr val="lt1"/>
+          </a:fontRef>
+        </p:style>
+        <p:txBody>
+          <a:bodyPr rtlCol="0" anchor="ctr"/>
+          <a:lstStyle/>
+          <a:p>
+            <a:pPr marL="265113" lvl="1" indent="-230400">
+              <a:buClr>
+                <a:srgbClr val="CF181B"/>
+              </a:buClr>
+              <a:buFont typeface="Wingdings" panose="05000000000000000000" pitchFamily="2" charset="2"/>
+              <a:buChar char="§"/>
+            </a:pPr>
+            <a:r>
+              <a:rPr lang="de-CH" sz="2400" dirty="0">
+                <a:solidFill>
+                  <a:schemeClr val="tx1"/>
+                </a:solidFill>
+              </a:rPr>
+              <a:t>Steckplatine</a:t>
+            </a:r>
           </a:p>
         </p:txBody>
       </p:sp>
@@ -2791,12 +3556,784 @@
             <p:ph type="body" sz="quarter" idx="14"/>
           </p:nvPr>
         </p:nvSpPr>
+        <p:spPr>
+          <a:xfrm>
+            <a:off x="0" y="1763914"/>
+            <a:ext cx="12192000" cy="4660917"/>
+          </a:xfrm>
+        </p:spPr>
+        <p:txBody>
+          <a:bodyPr>
+            <a:normAutofit fontScale="92500" lnSpcReduction="10000"/>
+          </a:bodyPr>
+          <a:lstStyle/>
+          <a:p>
+            <a:r>
+              <a:rPr lang="de-CH" dirty="0"/>
+              <a:t>Datenmanipulation</a:t>
+            </a:r>
+          </a:p>
+          <a:p>
+            <a:pPr lvl="1"/>
+            <a:r>
+              <a:rPr lang="de-CH" dirty="0" err="1"/>
+              <a:t>lsl</a:t>
+            </a:r>
+            <a:r>
+              <a:rPr lang="de-CH" dirty="0"/>
+              <a:t>: </a:t>
+            </a:r>
+            <a:r>
+              <a:rPr lang="de-CH" dirty="0" err="1"/>
+              <a:t>logical</a:t>
+            </a:r>
+            <a:r>
+              <a:rPr lang="de-CH" dirty="0"/>
+              <a:t> shift </a:t>
+            </a:r>
+            <a:r>
+              <a:rPr lang="de-CH" dirty="0" err="1"/>
+              <a:t>left</a:t>
+            </a:r>
+            <a:endParaRPr lang="de-CH" dirty="0"/>
+          </a:p>
+          <a:p>
+            <a:pPr lvl="1"/>
+            <a:r>
+              <a:rPr lang="de-CH" dirty="0" err="1"/>
+              <a:t>orr</a:t>
+            </a:r>
+            <a:r>
+              <a:rPr lang="de-CH" dirty="0"/>
+              <a:t>: </a:t>
+            </a:r>
+            <a:r>
+              <a:rPr lang="de-CH" dirty="0" err="1"/>
+              <a:t>logical</a:t>
+            </a:r>
+            <a:r>
+              <a:rPr lang="de-CH" dirty="0"/>
+              <a:t> </a:t>
+            </a:r>
+            <a:r>
+              <a:rPr lang="de-CH" dirty="0" err="1"/>
+              <a:t>or</a:t>
+            </a:r>
+            <a:endParaRPr lang="de-CH" dirty="0"/>
+          </a:p>
+          <a:p>
+            <a:pPr lvl="1"/>
+            <a:r>
+              <a:rPr lang="de-CH" dirty="0"/>
+              <a:t>mov: </a:t>
+            </a:r>
+            <a:r>
+              <a:rPr lang="de-CH" dirty="0" err="1"/>
+              <a:t>move</a:t>
+            </a:r>
+            <a:endParaRPr lang="de-CH" dirty="0"/>
+          </a:p>
+          <a:p>
+            <a:pPr lvl="1"/>
+            <a:r>
+              <a:rPr lang="de-CH" dirty="0" err="1"/>
+              <a:t>movs</a:t>
+            </a:r>
+            <a:r>
+              <a:rPr lang="de-CH" dirty="0"/>
+              <a:t>: </a:t>
+            </a:r>
+            <a:r>
+              <a:rPr lang="de-CH" dirty="0" err="1"/>
+              <a:t>move</a:t>
+            </a:r>
+            <a:r>
+              <a:rPr lang="de-CH" dirty="0"/>
+              <a:t> </a:t>
+            </a:r>
+            <a:r>
+              <a:rPr lang="de-CH" dirty="0" err="1"/>
+              <a:t>with</a:t>
+            </a:r>
+            <a:r>
+              <a:rPr lang="de-CH" dirty="0"/>
+              <a:t> update </a:t>
+            </a:r>
+            <a:r>
+              <a:rPr lang="de-CH" dirty="0" err="1"/>
+              <a:t>flags</a:t>
+            </a:r>
+            <a:endParaRPr lang="de-CH" dirty="0"/>
+          </a:p>
+          <a:p>
+            <a:pPr lvl="1"/>
+            <a:r>
+              <a:rPr lang="de-CH" dirty="0" err="1"/>
+              <a:t>sub</a:t>
+            </a:r>
+            <a:r>
+              <a:rPr lang="de-CH" dirty="0"/>
+              <a:t>: </a:t>
+            </a:r>
+            <a:r>
+              <a:rPr lang="de-CH" dirty="0" err="1"/>
+              <a:t>subtraction</a:t>
+            </a:r>
+            <a:endParaRPr lang="de-CH" dirty="0"/>
+          </a:p>
+          <a:p>
+            <a:pPr lvl="1"/>
+            <a:endParaRPr lang="de-CH" sz="1800" dirty="0"/>
+          </a:p>
+          <a:p>
+            <a:r>
+              <a:rPr lang="de-CH" dirty="0"/>
+              <a:t>Laden und Speichern</a:t>
+            </a:r>
+          </a:p>
+          <a:p>
+            <a:pPr lvl="1"/>
+            <a:r>
+              <a:rPr lang="de-CH" dirty="0" err="1"/>
+              <a:t>ldr</a:t>
+            </a:r>
+            <a:r>
+              <a:rPr lang="de-CH" dirty="0"/>
+              <a:t>: </a:t>
+            </a:r>
+            <a:r>
+              <a:rPr lang="de-CH" dirty="0" err="1"/>
+              <a:t>load</a:t>
+            </a:r>
+            <a:endParaRPr lang="de-CH" dirty="0"/>
+          </a:p>
+          <a:p>
+            <a:pPr lvl="1"/>
+            <a:r>
+              <a:rPr lang="de-CH" dirty="0" err="1"/>
+              <a:t>str</a:t>
+            </a:r>
+            <a:r>
+              <a:rPr lang="de-CH" dirty="0"/>
+              <a:t>: </a:t>
+            </a:r>
+            <a:r>
+              <a:rPr lang="de-CH" dirty="0" err="1"/>
+              <a:t>store</a:t>
+            </a:r>
+            <a:endParaRPr lang="de-CH" dirty="0"/>
+          </a:p>
+          <a:p>
+            <a:pPr lvl="1"/>
+            <a:r>
+              <a:rPr lang="de-CH" dirty="0" err="1"/>
+              <a:t>include</a:t>
+            </a:r>
+            <a:r>
+              <a:rPr lang="de-CH" dirty="0"/>
+              <a:t>: </a:t>
+            </a:r>
+            <a:r>
+              <a:rPr lang="de-CH" dirty="0" err="1"/>
+              <a:t>include</a:t>
+            </a:r>
+            <a:endParaRPr lang="de-CH" dirty="0"/>
+          </a:p>
+          <a:p>
+            <a:pPr marL="457200" lvl="1" indent="0">
+              <a:buNone/>
+            </a:pPr>
+            <a:endParaRPr lang="de-CH" sz="1800" dirty="0"/>
+          </a:p>
+        </p:txBody>
+      </p:sp>
+      <p:sp>
+        <p:nvSpPr>
+          <p:cNvPr id="5" name="Textplatzhalter 2">
+            <a:extLst>
+              <a:ext uri="{FF2B5EF4-FFF2-40B4-BE49-F238E27FC236}">
+                <a16:creationId xmlns:a16="http://schemas.microsoft.com/office/drawing/2014/main" id="{2ADDBE92-708F-499F-9344-4F571D884B68}"/>
+              </a:ext>
+            </a:extLst>
+          </p:cNvPr>
+          <p:cNvSpPr txBox="1">
+            <a:spLocks/>
+          </p:cNvSpPr>
+          <p:nvPr/>
+        </p:nvSpPr>
+        <p:spPr>
+          <a:xfrm>
+            <a:off x="5564924" y="1763914"/>
+            <a:ext cx="12192000" cy="4660917"/>
+          </a:xfrm>
+          <a:prstGeom prst="rect">
+            <a:avLst/>
+          </a:prstGeom>
+        </p:spPr>
+        <p:txBody>
+          <a:bodyPr lIns="540000" tIns="360000" rIns="540000" bIns="360000">
+            <a:normAutofit/>
+          </a:bodyPr>
+          <a:lstStyle>
+            <a:lvl1pPr marL="228600" indent="-228600" algn="l" defTabSz="914400" rtl="0" eaLnBrk="1" latinLnBrk="0" hangingPunct="1">
+              <a:lnSpc>
+                <a:spcPct val="90000"/>
+              </a:lnSpc>
+              <a:spcBef>
+                <a:spcPts val="1000"/>
+              </a:spcBef>
+              <a:buClr>
+                <a:srgbClr val="CF181B"/>
+              </a:buClr>
+              <a:buFont typeface="Wingdings" panose="05000000000000000000" pitchFamily="2" charset="2"/>
+              <a:buChar char="§"/>
+              <a:defRPr sz="2800" kern="1200">
+                <a:solidFill>
+                  <a:schemeClr val="tx1"/>
+                </a:solidFill>
+                <a:latin typeface="+mn-lt"/>
+                <a:ea typeface="+mn-ea"/>
+                <a:cs typeface="+mn-cs"/>
+              </a:defRPr>
+            </a:lvl1pPr>
+            <a:lvl2pPr marL="685800" indent="-228600" algn="l" defTabSz="914400" rtl="0" eaLnBrk="1" latinLnBrk="0" hangingPunct="1">
+              <a:lnSpc>
+                <a:spcPct val="90000"/>
+              </a:lnSpc>
+              <a:spcBef>
+                <a:spcPts val="500"/>
+              </a:spcBef>
+              <a:buClr>
+                <a:srgbClr val="CF181B"/>
+              </a:buClr>
+              <a:buFont typeface="Wingdings" panose="05000000000000000000" pitchFamily="2" charset="2"/>
+              <a:buChar char="§"/>
+              <a:defRPr sz="2400" kern="1200">
+                <a:solidFill>
+                  <a:schemeClr val="tx1"/>
+                </a:solidFill>
+                <a:latin typeface="+mn-lt"/>
+                <a:ea typeface="+mn-ea"/>
+                <a:cs typeface="+mn-cs"/>
+              </a:defRPr>
+            </a:lvl2pPr>
+            <a:lvl3pPr marL="1143000" indent="-228600" algn="l" defTabSz="914400" rtl="0" eaLnBrk="1" latinLnBrk="0" hangingPunct="1">
+              <a:lnSpc>
+                <a:spcPct val="90000"/>
+              </a:lnSpc>
+              <a:spcBef>
+                <a:spcPts val="500"/>
+              </a:spcBef>
+              <a:buClr>
+                <a:srgbClr val="CF181B"/>
+              </a:buClr>
+              <a:buFont typeface="Wingdings" panose="05000000000000000000" pitchFamily="2" charset="2"/>
+              <a:buChar char="§"/>
+              <a:defRPr sz="2000" kern="1200">
+                <a:solidFill>
+                  <a:schemeClr val="tx1"/>
+                </a:solidFill>
+                <a:latin typeface="+mn-lt"/>
+                <a:ea typeface="+mn-ea"/>
+                <a:cs typeface="+mn-cs"/>
+              </a:defRPr>
+            </a:lvl3pPr>
+            <a:lvl4pPr marL="1600200" indent="-228600" algn="l" defTabSz="914400" rtl="0" eaLnBrk="1" latinLnBrk="0" hangingPunct="1">
+              <a:lnSpc>
+                <a:spcPct val="90000"/>
+              </a:lnSpc>
+              <a:spcBef>
+                <a:spcPts val="500"/>
+              </a:spcBef>
+              <a:buClr>
+                <a:srgbClr val="CF181B"/>
+              </a:buClr>
+              <a:buFont typeface="Wingdings" panose="05000000000000000000" pitchFamily="2" charset="2"/>
+              <a:buChar char="§"/>
+              <a:defRPr sz="1800" kern="1200">
+                <a:solidFill>
+                  <a:schemeClr val="tx1"/>
+                </a:solidFill>
+                <a:latin typeface="+mn-lt"/>
+                <a:ea typeface="+mn-ea"/>
+                <a:cs typeface="+mn-cs"/>
+              </a:defRPr>
+            </a:lvl4pPr>
+            <a:lvl5pPr marL="2057400" indent="-228600" algn="l" defTabSz="914400" rtl="0" eaLnBrk="1" latinLnBrk="0" hangingPunct="1">
+              <a:lnSpc>
+                <a:spcPct val="90000"/>
+              </a:lnSpc>
+              <a:spcBef>
+                <a:spcPts val="500"/>
+              </a:spcBef>
+              <a:buClr>
+                <a:srgbClr val="CF181B"/>
+              </a:buClr>
+              <a:buFont typeface="Wingdings" panose="05000000000000000000" pitchFamily="2" charset="2"/>
+              <a:buChar char="§"/>
+              <a:defRPr sz="1800" kern="1200">
+                <a:solidFill>
+                  <a:schemeClr val="tx1"/>
+                </a:solidFill>
+                <a:latin typeface="+mn-lt"/>
+                <a:ea typeface="+mn-ea"/>
+                <a:cs typeface="+mn-cs"/>
+              </a:defRPr>
+            </a:lvl5pPr>
+            <a:lvl6pPr marL="2514600" indent="-228600" algn="l" defTabSz="914400" rtl="0" eaLnBrk="1" latinLnBrk="0" hangingPunct="1">
+              <a:lnSpc>
+                <a:spcPct val="90000"/>
+              </a:lnSpc>
+              <a:spcBef>
+                <a:spcPts val="500"/>
+              </a:spcBef>
+              <a:buFont typeface="Arial" panose="020B0604020202020204" pitchFamily="34" charset="0"/>
+              <a:buChar char="•"/>
+              <a:defRPr sz="1800" kern="1200">
+                <a:solidFill>
+                  <a:schemeClr val="tx1"/>
+                </a:solidFill>
+                <a:latin typeface="+mn-lt"/>
+                <a:ea typeface="+mn-ea"/>
+                <a:cs typeface="+mn-cs"/>
+              </a:defRPr>
+            </a:lvl6pPr>
+            <a:lvl7pPr marL="2971800" indent="-228600" algn="l" defTabSz="914400" rtl="0" eaLnBrk="1" latinLnBrk="0" hangingPunct="1">
+              <a:lnSpc>
+                <a:spcPct val="90000"/>
+              </a:lnSpc>
+              <a:spcBef>
+                <a:spcPts val="500"/>
+              </a:spcBef>
+              <a:buFont typeface="Arial" panose="020B0604020202020204" pitchFamily="34" charset="0"/>
+              <a:buChar char="•"/>
+              <a:defRPr sz="1800" kern="1200">
+                <a:solidFill>
+                  <a:schemeClr val="tx1"/>
+                </a:solidFill>
+                <a:latin typeface="+mn-lt"/>
+                <a:ea typeface="+mn-ea"/>
+                <a:cs typeface="+mn-cs"/>
+              </a:defRPr>
+            </a:lvl7pPr>
+            <a:lvl8pPr marL="3429000" indent="-228600" algn="l" defTabSz="914400" rtl="0" eaLnBrk="1" latinLnBrk="0" hangingPunct="1">
+              <a:lnSpc>
+                <a:spcPct val="90000"/>
+              </a:lnSpc>
+              <a:spcBef>
+                <a:spcPts val="500"/>
+              </a:spcBef>
+              <a:buFont typeface="Arial" panose="020B0604020202020204" pitchFamily="34" charset="0"/>
+              <a:buChar char="•"/>
+              <a:defRPr sz="1800" kern="1200">
+                <a:solidFill>
+                  <a:schemeClr val="tx1"/>
+                </a:solidFill>
+                <a:latin typeface="+mn-lt"/>
+                <a:ea typeface="+mn-ea"/>
+                <a:cs typeface="+mn-cs"/>
+              </a:defRPr>
+            </a:lvl8pPr>
+            <a:lvl9pPr marL="3886200" indent="-228600" algn="l" defTabSz="914400" rtl="0" eaLnBrk="1" latinLnBrk="0" hangingPunct="1">
+              <a:lnSpc>
+                <a:spcPct val="90000"/>
+              </a:lnSpc>
+              <a:spcBef>
+                <a:spcPts val="500"/>
+              </a:spcBef>
+              <a:buFont typeface="Arial" panose="020B0604020202020204" pitchFamily="34" charset="0"/>
+              <a:buChar char="•"/>
+              <a:defRPr sz="1800" kern="1200">
+                <a:solidFill>
+                  <a:schemeClr val="tx1"/>
+                </a:solidFill>
+                <a:latin typeface="+mn-lt"/>
+                <a:ea typeface="+mn-ea"/>
+                <a:cs typeface="+mn-cs"/>
+              </a:defRPr>
+            </a:lvl9pPr>
+          </a:lstStyle>
+          <a:p>
+            <a:r>
+              <a:rPr lang="de-CH" sz="2600" dirty="0"/>
+              <a:t>Branch</a:t>
+            </a:r>
+          </a:p>
+          <a:p>
+            <a:pPr lvl="1"/>
+            <a:r>
+              <a:rPr lang="de-CH" sz="2200" dirty="0" err="1"/>
+              <a:t>bl</a:t>
+            </a:r>
+            <a:r>
+              <a:rPr lang="de-CH" sz="2200" dirty="0"/>
+              <a:t> [</a:t>
+            </a:r>
+            <a:r>
+              <a:rPr lang="de-CH" sz="2200" dirty="0" err="1"/>
+              <a:t>label</a:t>
+            </a:r>
+            <a:r>
+              <a:rPr lang="de-CH" sz="2200" dirty="0"/>
+              <a:t>]: </a:t>
+            </a:r>
+            <a:r>
+              <a:rPr lang="de-CH" sz="2200" dirty="0" err="1"/>
+              <a:t>branch</a:t>
+            </a:r>
+            <a:r>
+              <a:rPr lang="de-CH" sz="2200" dirty="0"/>
+              <a:t> </a:t>
+            </a:r>
+            <a:r>
+              <a:rPr lang="de-CH" sz="2200" dirty="0" err="1"/>
+              <a:t>to</a:t>
+            </a:r>
+            <a:r>
+              <a:rPr lang="de-CH" sz="2200" dirty="0"/>
+              <a:t> </a:t>
+            </a:r>
+            <a:r>
+              <a:rPr lang="de-CH" sz="2200" dirty="0" err="1"/>
+              <a:t>subroutine</a:t>
+            </a:r>
+            <a:r>
+              <a:rPr lang="de-CH" sz="2200" dirty="0"/>
+              <a:t> at [</a:t>
+            </a:r>
+            <a:r>
+              <a:rPr lang="de-CH" sz="2200" dirty="0" err="1"/>
+              <a:t>label</a:t>
+            </a:r>
+            <a:r>
+              <a:rPr lang="de-CH" sz="2200" dirty="0"/>
+              <a:t>]</a:t>
+            </a:r>
+          </a:p>
+          <a:p>
+            <a:pPr lvl="1"/>
+            <a:r>
+              <a:rPr lang="de-CH" sz="2200" dirty="0"/>
+              <a:t>b [</a:t>
+            </a:r>
+            <a:r>
+              <a:rPr lang="de-CH" sz="2200" dirty="0" err="1"/>
+              <a:t>label</a:t>
+            </a:r>
+            <a:r>
+              <a:rPr lang="de-CH" sz="2200" dirty="0"/>
+              <a:t>]: </a:t>
+            </a:r>
+            <a:r>
+              <a:rPr lang="de-CH" sz="2200" dirty="0" err="1"/>
+              <a:t>branch</a:t>
+            </a:r>
+            <a:r>
+              <a:rPr lang="de-CH" sz="2200" dirty="0"/>
+              <a:t> </a:t>
+            </a:r>
+            <a:r>
+              <a:rPr lang="de-CH" sz="2200" dirty="0" err="1"/>
+              <a:t>to</a:t>
+            </a:r>
+            <a:r>
+              <a:rPr lang="de-CH" sz="2200" dirty="0"/>
+              <a:t> [</a:t>
+            </a:r>
+            <a:r>
+              <a:rPr lang="de-CH" sz="2200" dirty="0" err="1"/>
+              <a:t>label</a:t>
+            </a:r>
+            <a:r>
+              <a:rPr lang="de-CH" sz="2200" dirty="0"/>
+              <a:t>]</a:t>
+            </a:r>
+          </a:p>
+          <a:p>
+            <a:pPr lvl="1"/>
+            <a:r>
+              <a:rPr lang="de-CH" sz="2200" dirty="0" err="1"/>
+              <a:t>bx</a:t>
+            </a:r>
+            <a:r>
+              <a:rPr lang="de-CH" sz="2200" dirty="0"/>
+              <a:t> </a:t>
+            </a:r>
+            <a:r>
+              <a:rPr lang="de-CH" sz="2200" dirty="0" err="1"/>
+              <a:t>lr</a:t>
+            </a:r>
+            <a:r>
+              <a:rPr lang="de-CH" sz="2200" dirty="0"/>
+              <a:t>: </a:t>
+            </a:r>
+            <a:r>
+              <a:rPr lang="de-CH" sz="2200" dirty="0" err="1"/>
+              <a:t>branch</a:t>
+            </a:r>
+            <a:r>
+              <a:rPr lang="de-CH" sz="2200" dirty="0"/>
+              <a:t> </a:t>
+            </a:r>
+            <a:r>
+              <a:rPr lang="de-CH" sz="2200" dirty="0" err="1"/>
+              <a:t>indirect</a:t>
+            </a:r>
+            <a:r>
+              <a:rPr lang="de-CH" sz="2200" dirty="0"/>
+              <a:t> </a:t>
+            </a:r>
+            <a:r>
+              <a:rPr lang="de-CH" sz="2200" dirty="0" err="1"/>
+              <a:t>to</a:t>
+            </a:r>
+            <a:r>
+              <a:rPr lang="de-CH" sz="2200" dirty="0"/>
+              <a:t> </a:t>
+            </a:r>
+            <a:r>
+              <a:rPr lang="de-CH" sz="2200" dirty="0" err="1"/>
+              <a:t>load</a:t>
+            </a:r>
+            <a:r>
+              <a:rPr lang="de-CH" sz="2200" dirty="0"/>
+              <a:t> </a:t>
+            </a:r>
+            <a:r>
+              <a:rPr lang="de-CH" sz="2200" dirty="0" err="1"/>
+              <a:t>register</a:t>
+            </a:r>
+            <a:endParaRPr lang="de-CH" sz="2200" dirty="0"/>
+          </a:p>
+          <a:p>
+            <a:pPr lvl="1"/>
+            <a:r>
+              <a:rPr lang="de-CH" sz="2200" dirty="0" err="1"/>
+              <a:t>bx</a:t>
+            </a:r>
+            <a:r>
+              <a:rPr lang="de-CH" sz="2200" dirty="0"/>
+              <a:t> [</a:t>
+            </a:r>
+            <a:r>
+              <a:rPr lang="de-CH" sz="2200" dirty="0" err="1"/>
+              <a:t>register</a:t>
+            </a:r>
+            <a:r>
+              <a:rPr lang="de-CH" sz="2200" dirty="0"/>
+              <a:t>]: </a:t>
+            </a:r>
+            <a:r>
+              <a:rPr lang="de-CH" sz="2200" dirty="0" err="1"/>
+              <a:t>branch</a:t>
+            </a:r>
+            <a:r>
+              <a:rPr lang="de-CH" sz="2200" dirty="0"/>
+              <a:t> </a:t>
+            </a:r>
+            <a:r>
+              <a:rPr lang="de-CH" sz="2200" dirty="0" err="1"/>
+              <a:t>indirect</a:t>
+            </a:r>
+            <a:r>
+              <a:rPr lang="de-CH" sz="2200" dirty="0"/>
+              <a:t> </a:t>
+            </a:r>
+            <a:r>
+              <a:rPr lang="de-CH" sz="2200" dirty="0" err="1"/>
+              <a:t>to</a:t>
+            </a:r>
+            <a:r>
+              <a:rPr lang="de-CH" sz="2200" dirty="0"/>
+              <a:t> [</a:t>
+            </a:r>
+            <a:r>
+              <a:rPr lang="de-CH" sz="2200" dirty="0" err="1"/>
+              <a:t>register</a:t>
+            </a:r>
+            <a:r>
+              <a:rPr lang="de-CH" sz="2200" dirty="0"/>
+              <a:t>]</a:t>
+            </a:r>
+          </a:p>
+          <a:p>
+            <a:pPr lvl="1"/>
+            <a:r>
+              <a:rPr lang="de-CH" sz="2200" dirty="0" err="1"/>
+              <a:t>cmp-bne</a:t>
+            </a:r>
+            <a:r>
+              <a:rPr lang="de-CH" sz="2200" dirty="0"/>
+              <a:t>: </a:t>
+            </a:r>
+            <a:r>
+              <a:rPr lang="de-CH" sz="2200" dirty="0" err="1"/>
+              <a:t>compare</a:t>
+            </a:r>
+            <a:r>
+              <a:rPr lang="de-CH" sz="2200" dirty="0"/>
+              <a:t> and </a:t>
+            </a:r>
+            <a:r>
+              <a:rPr lang="de-CH" sz="2200" dirty="0" err="1"/>
+              <a:t>branch</a:t>
+            </a:r>
+            <a:r>
+              <a:rPr lang="de-CH" sz="2200" dirty="0"/>
+              <a:t> </a:t>
+            </a:r>
+            <a:r>
+              <a:rPr lang="de-CH" sz="2200" dirty="0" err="1"/>
+              <a:t>if</a:t>
+            </a:r>
+            <a:r>
+              <a:rPr lang="de-CH" sz="2200" dirty="0"/>
+              <a:t> not </a:t>
+            </a:r>
+            <a:r>
+              <a:rPr lang="de-CH" sz="2200" dirty="0" err="1"/>
+              <a:t>equal</a:t>
+            </a:r>
+            <a:endParaRPr lang="de-CH" sz="2200" dirty="0"/>
+          </a:p>
+          <a:p>
+            <a:pPr lvl="1"/>
+            <a:r>
+              <a:rPr lang="de-CH" sz="2200" dirty="0" err="1"/>
+              <a:t>cmp-blt</a:t>
+            </a:r>
+            <a:r>
+              <a:rPr lang="de-CH" sz="2200" dirty="0"/>
+              <a:t>: </a:t>
+            </a:r>
+            <a:r>
+              <a:rPr lang="de-CH" sz="2200" dirty="0" err="1"/>
+              <a:t>compare</a:t>
+            </a:r>
+            <a:r>
+              <a:rPr lang="de-CH" sz="2200" dirty="0"/>
+              <a:t> and </a:t>
+            </a:r>
+            <a:r>
+              <a:rPr lang="de-CH" sz="2200" dirty="0" err="1"/>
+              <a:t>branch</a:t>
+            </a:r>
+            <a:r>
+              <a:rPr lang="de-CH" sz="2200" dirty="0"/>
+              <a:t> </a:t>
+            </a:r>
+            <a:r>
+              <a:rPr lang="de-CH" sz="2200" dirty="0" err="1"/>
+              <a:t>if</a:t>
+            </a:r>
+            <a:r>
+              <a:rPr lang="de-CH" sz="2200" dirty="0"/>
+              <a:t> </a:t>
+            </a:r>
+            <a:r>
+              <a:rPr lang="de-CH" sz="2200" dirty="0" err="1"/>
+              <a:t>less</a:t>
+            </a:r>
+            <a:r>
+              <a:rPr lang="de-CH" sz="2200" dirty="0"/>
+              <a:t> </a:t>
+            </a:r>
+            <a:r>
+              <a:rPr lang="de-CH" sz="2200" dirty="0" err="1"/>
+              <a:t>than</a:t>
+            </a:r>
+            <a:r>
+              <a:rPr lang="de-CH" sz="2200" dirty="0"/>
+              <a:t> </a:t>
+            </a:r>
+          </a:p>
+        </p:txBody>
+      </p:sp>
+      <p:pic>
+        <p:nvPicPr>
+          <p:cNvPr id="7" name="Grafik 6">
+            <a:extLst>
+              <a:ext uri="{FF2B5EF4-FFF2-40B4-BE49-F238E27FC236}">
+                <a16:creationId xmlns:a16="http://schemas.microsoft.com/office/drawing/2014/main" id="{550FCDE0-0CD7-4427-AA70-D98F95DE216D}"/>
+              </a:ext>
+            </a:extLst>
+          </p:cNvPr>
+          <p:cNvPicPr>
+            <a:picLocks noChangeAspect="1"/>
+          </p:cNvPicPr>
+          <p:nvPr/>
+        </p:nvPicPr>
+        <p:blipFill rotWithShape="1">
+          <a:blip r:embed="rId2"/>
+          <a:srcRect b="5724"/>
+          <a:stretch/>
+        </p:blipFill>
+        <p:spPr>
+          <a:xfrm>
+            <a:off x="10018663" y="4758192"/>
+            <a:ext cx="1603473" cy="1402332"/>
+          </a:xfrm>
+          <a:prstGeom prst="rect">
+            <a:avLst/>
+          </a:prstGeom>
+        </p:spPr>
+      </p:pic>
+      <p:sp>
+        <p:nvSpPr>
+          <p:cNvPr id="8" name="Datumsplatzhalter 7">
+            <a:extLst>
+              <a:ext uri="{FF2B5EF4-FFF2-40B4-BE49-F238E27FC236}">
+                <a16:creationId xmlns:a16="http://schemas.microsoft.com/office/drawing/2014/main" id="{EB792942-E06F-4328-A851-9F699C0E848A}"/>
+              </a:ext>
+            </a:extLst>
+          </p:cNvPr>
+          <p:cNvSpPr>
+            <a:spLocks noGrp="1"/>
+          </p:cNvSpPr>
+          <p:nvPr>
+            <p:ph type="dt" sz="half" idx="10"/>
+          </p:nvPr>
+        </p:nvSpPr>
         <p:spPr/>
         <p:txBody>
           <a:bodyPr/>
           <a:lstStyle/>
           <a:p>
-            <a:endParaRPr lang="de-CH"/>
+            <a:fld id="{F4975D71-B32C-4BE6-A220-8097E35571D6}" type="datetime4">
+              <a:rPr lang="de-CH" sz="1400" smtClean="0"/>
+              <a:t>27. November 2019</a:t>
+            </a:fld>
+            <a:endParaRPr lang="de-CH" sz="1400" dirty="0"/>
+          </a:p>
+        </p:txBody>
+      </p:sp>
+      <p:sp>
+        <p:nvSpPr>
+          <p:cNvPr id="9" name="Foliennummernplatzhalter 8">
+            <a:extLst>
+              <a:ext uri="{FF2B5EF4-FFF2-40B4-BE49-F238E27FC236}">
+                <a16:creationId xmlns:a16="http://schemas.microsoft.com/office/drawing/2014/main" id="{BF109D97-5B7A-4766-A420-2F593997BC65}"/>
+              </a:ext>
+            </a:extLst>
+          </p:cNvPr>
+          <p:cNvSpPr>
+            <a:spLocks noGrp="1"/>
+          </p:cNvSpPr>
+          <p:nvPr>
+            <p:ph type="sldNum" sz="quarter" idx="12"/>
+          </p:nvPr>
+        </p:nvSpPr>
+        <p:spPr/>
+        <p:txBody>
+          <a:bodyPr/>
+          <a:lstStyle/>
+          <a:p>
+            <a:fld id="{AD87588A-2093-422D-9F8E-968409914A04}" type="slidenum">
+              <a:rPr lang="de-CH" sz="1400" smtClean="0"/>
+              <a:pPr/>
+              <a:t>5</a:t>
+            </a:fld>
+            <a:endParaRPr lang="de-CH" sz="1400" dirty="0"/>
           </a:p>
         </p:txBody>
       </p:sp>
@@ -2881,10 +4418,33 @@
           </a:xfrm>
         </p:spPr>
         <p:txBody>
-          <a:bodyPr/>
+          <a:bodyPr anchor="ctr" anchorCtr="0">
+            <a:normAutofit fontScale="92500" lnSpcReduction="20000"/>
+          </a:bodyPr>
           <a:lstStyle/>
           <a:p>
+            <a:r>
+              <a:rPr lang="de-CH" dirty="0"/>
+              <a:t>Der GIPIO Pin 17 wird mit einem Widerstand mit der Kathode der Lampe verbunden.</a:t>
+            </a:r>
+          </a:p>
+          <a:p>
             <a:endParaRPr lang="de-CH" dirty="0"/>
+          </a:p>
+          <a:p>
+            <a:r>
+              <a:rPr lang="de-CH" dirty="0"/>
+              <a:t>Der GIPIO Pin 18 wird mit dem Widerstand mit der Kathode des Lautsprechers verbunden.</a:t>
+            </a:r>
+          </a:p>
+          <a:p>
+            <a:endParaRPr lang="de-CH" dirty="0"/>
+          </a:p>
+          <a:p>
+            <a:r>
+              <a:rPr lang="de-CH" dirty="0"/>
+              <a:t>Die Anoden der Geräte werden mit dem GND, dem Massepotential verbunden.</a:t>
+            </a:r>
           </a:p>
         </p:txBody>
       </p:sp>
@@ -2924,6 +4484,65 @@
           </a:prstGeom>
         </p:spPr>
       </p:pic>
+      <p:sp>
+        <p:nvSpPr>
+          <p:cNvPr id="7" name="Datumsplatzhalter 6">
+            <a:extLst>
+              <a:ext uri="{FF2B5EF4-FFF2-40B4-BE49-F238E27FC236}">
+                <a16:creationId xmlns:a16="http://schemas.microsoft.com/office/drawing/2014/main" id="{DF367730-4E1A-4F9F-AE0E-67ABF9D9E5DD}"/>
+              </a:ext>
+            </a:extLst>
+          </p:cNvPr>
+          <p:cNvSpPr>
+            <a:spLocks noGrp="1"/>
+          </p:cNvSpPr>
+          <p:nvPr>
+            <p:ph type="dt" sz="half" idx="10"/>
+          </p:nvPr>
+        </p:nvSpPr>
+        <p:spPr/>
+        <p:txBody>
+          <a:bodyPr/>
+          <a:lstStyle/>
+          <a:p>
+            <a:fld id="{FA6C7A9C-C4F6-4433-941F-28454A8B0B63}" type="datetime4">
+              <a:rPr lang="de-CH" sz="1400" smtClean="0"/>
+              <a:t>27. November 2019</a:t>
+            </a:fld>
+            <a:endParaRPr lang="de-CH" sz="1400" dirty="0"/>
+          </a:p>
+        </p:txBody>
+      </p:sp>
+      <p:sp>
+        <p:nvSpPr>
+          <p:cNvPr id="8" name="Foliennummernplatzhalter 7">
+            <a:extLst>
+              <a:ext uri="{FF2B5EF4-FFF2-40B4-BE49-F238E27FC236}">
+                <a16:creationId xmlns:a16="http://schemas.microsoft.com/office/drawing/2014/main" id="{7E800761-718E-4020-AC0D-E416C2C9A1FE}"/>
+              </a:ext>
+            </a:extLst>
+          </p:cNvPr>
+          <p:cNvSpPr>
+            <a:spLocks noGrp="1"/>
+          </p:cNvSpPr>
+          <p:nvPr>
+            <p:ph type="sldNum" sz="quarter" idx="12"/>
+          </p:nvPr>
+        </p:nvSpPr>
+        <p:spPr/>
+        <p:txBody>
+          <a:bodyPr/>
+          <a:lstStyle/>
+          <a:p>
+            <a:fld id="{AD87588A-2093-422D-9F8E-968409914A04}" type="slidenum">
+              <a:rPr lang="de-CH" sz="1400" smtClean="0"/>
+              <a:pPr/>
+              <a:t>6</a:t>
+            </a:fld>
+            <a:endParaRPr lang="de-CH" sz="1400" dirty="0"/>
+          </a:p>
+        </p:txBody>
+      </p:sp>
     </p:spTree>
     <p:extLst>
       <p:ext uri="{BB962C8B-B14F-4D97-AF65-F5344CB8AC3E}">
@@ -3017,6 +4636,65 @@
           </a:prstGeom>
         </p:spPr>
       </p:pic>
+      <p:sp>
+        <p:nvSpPr>
+          <p:cNvPr id="5" name="Datumsplatzhalter 4">
+            <a:extLst>
+              <a:ext uri="{FF2B5EF4-FFF2-40B4-BE49-F238E27FC236}">
+                <a16:creationId xmlns:a16="http://schemas.microsoft.com/office/drawing/2014/main" id="{32B8740A-4D93-4D5E-B66E-5D08AD6F18A4}"/>
+              </a:ext>
+            </a:extLst>
+          </p:cNvPr>
+          <p:cNvSpPr>
+            <a:spLocks noGrp="1"/>
+          </p:cNvSpPr>
+          <p:nvPr>
+            <p:ph type="dt" sz="half" idx="10"/>
+          </p:nvPr>
+        </p:nvSpPr>
+        <p:spPr/>
+        <p:txBody>
+          <a:bodyPr/>
+          <a:lstStyle/>
+          <a:p>
+            <a:fld id="{8997F1AA-FBF6-4825-B07D-FA8E3B36E4AD}" type="datetime4">
+              <a:rPr lang="de-CH" sz="1400" smtClean="0"/>
+              <a:t>27. November 2019</a:t>
+            </a:fld>
+            <a:endParaRPr lang="de-CH" sz="1400" dirty="0"/>
+          </a:p>
+        </p:txBody>
+      </p:sp>
+      <p:sp>
+        <p:nvSpPr>
+          <p:cNvPr id="6" name="Foliennummernplatzhalter 5">
+            <a:extLst>
+              <a:ext uri="{FF2B5EF4-FFF2-40B4-BE49-F238E27FC236}">
+                <a16:creationId xmlns:a16="http://schemas.microsoft.com/office/drawing/2014/main" id="{0E82DC29-AFD2-4E68-8253-26EBB4BF0638}"/>
+              </a:ext>
+            </a:extLst>
+          </p:cNvPr>
+          <p:cNvSpPr>
+            <a:spLocks noGrp="1"/>
+          </p:cNvSpPr>
+          <p:nvPr>
+            <p:ph type="sldNum" sz="quarter" idx="12"/>
+          </p:nvPr>
+        </p:nvSpPr>
+        <p:spPr/>
+        <p:txBody>
+          <a:bodyPr/>
+          <a:lstStyle/>
+          <a:p>
+            <a:fld id="{AD87588A-2093-422D-9F8E-968409914A04}" type="slidenum">
+              <a:rPr lang="de-CH" sz="1400" smtClean="0"/>
+              <a:pPr/>
+              <a:t>7</a:t>
+            </a:fld>
+            <a:endParaRPr lang="de-CH" sz="1400" dirty="0"/>
+          </a:p>
+        </p:txBody>
+      </p:sp>
     </p:spTree>
     <p:extLst>
       <p:ext uri="{BB962C8B-B14F-4D97-AF65-F5344CB8AC3E}">
@@ -3070,7 +4748,7 @@
           <a:p>
             <a:r>
               <a:rPr lang="de-CH" dirty="0"/>
-              <a:t>Lösungsansätze</a:t>
+              <a:t>Lösungsansätze (1/3)</a:t>
             </a:r>
           </a:p>
         </p:txBody>
@@ -3110,7 +4788,7 @@
             <a:pPr lvl="1"/>
             <a:r>
               <a:rPr lang="de-CH" dirty="0"/>
-              <a:t>Makro mit einem Parameter, welcher den System </a:t>
+              <a:t>Makro, welcher den System </a:t>
             </a:r>
             <a:r>
               <a:rPr lang="de-CH" dirty="0" err="1"/>
@@ -3118,7 +4796,7 @@
             </a:r>
             <a:r>
               <a:rPr lang="de-CH" dirty="0"/>
-              <a:t> nutzt</a:t>
+              <a:t> nutzt, mit einem Parameter</a:t>
             </a:r>
           </a:p>
           <a:p>
@@ -3445,6 +5123,65 @@
           <a:p>
             <a:pPr algn="ctr"/>
             <a:endParaRPr lang="de-CH"/>
+          </a:p>
+        </p:txBody>
+      </p:sp>
+      <p:sp>
+        <p:nvSpPr>
+          <p:cNvPr id="9" name="Datumsplatzhalter 8">
+            <a:extLst>
+              <a:ext uri="{FF2B5EF4-FFF2-40B4-BE49-F238E27FC236}">
+                <a16:creationId xmlns:a16="http://schemas.microsoft.com/office/drawing/2014/main" id="{089AE59D-C741-4125-B9BB-379F25AD9277}"/>
+              </a:ext>
+            </a:extLst>
+          </p:cNvPr>
+          <p:cNvSpPr>
+            <a:spLocks noGrp="1"/>
+          </p:cNvSpPr>
+          <p:nvPr>
+            <p:ph type="dt" sz="half" idx="10"/>
+          </p:nvPr>
+        </p:nvSpPr>
+        <p:spPr/>
+        <p:txBody>
+          <a:bodyPr/>
+          <a:lstStyle/>
+          <a:p>
+            <a:fld id="{1A893846-EF63-423F-9FF3-219F59F0AC32}" type="datetime4">
+              <a:rPr lang="de-CH" sz="1400" smtClean="0"/>
+              <a:t>27. November 2019</a:t>
+            </a:fld>
+            <a:endParaRPr lang="de-CH" sz="1400" dirty="0"/>
+          </a:p>
+        </p:txBody>
+      </p:sp>
+      <p:sp>
+        <p:nvSpPr>
+          <p:cNvPr id="10" name="Foliennummernplatzhalter 9">
+            <a:extLst>
+              <a:ext uri="{FF2B5EF4-FFF2-40B4-BE49-F238E27FC236}">
+                <a16:creationId xmlns:a16="http://schemas.microsoft.com/office/drawing/2014/main" id="{C2CD081C-E87C-4588-B88D-8EA7FA41FC5D}"/>
+              </a:ext>
+            </a:extLst>
+          </p:cNvPr>
+          <p:cNvSpPr>
+            <a:spLocks noGrp="1"/>
+          </p:cNvSpPr>
+          <p:nvPr>
+            <p:ph type="sldNum" sz="quarter" idx="12"/>
+          </p:nvPr>
+        </p:nvSpPr>
+        <p:spPr/>
+        <p:txBody>
+          <a:bodyPr/>
+          <a:lstStyle/>
+          <a:p>
+            <a:fld id="{AD87588A-2093-422D-9F8E-968409914A04}" type="slidenum">
+              <a:rPr lang="de-CH" sz="1400" smtClean="0"/>
+              <a:pPr/>
+              <a:t>8</a:t>
+            </a:fld>
+            <a:endParaRPr lang="de-CH" sz="1400" dirty="0"/>
           </a:p>
         </p:txBody>
       </p:sp>
@@ -3501,7 +5238,7 @@
           <a:p>
             <a:r>
               <a:rPr lang="de-CH" dirty="0"/>
-              <a:t>Lösungsansätze (2)</a:t>
+              <a:t>Lösungsansätze (2/3)</a:t>
             </a:r>
           </a:p>
         </p:txBody>
@@ -3631,15 +5368,7 @@
             </a:br>
             <a:r>
               <a:rPr lang="de-CH" dirty="0"/>
-              <a:t>die Sendefrequenz (</a:t>
-            </a:r>
-            <a:r>
-              <a:rPr lang="de-CH" dirty="0" err="1"/>
-              <a:t>default</a:t>
-            </a:r>
-            <a:r>
-              <a:rPr lang="de-CH" dirty="0"/>
-              <a:t> 2000Hz) definiert </a:t>
+              <a:t>die Sendefrequenz (Default 2000Hz) definiert </a:t>
             </a:r>
             <a:br>
               <a:rPr lang="de-CH" dirty="0"/>
@@ -3934,6 +5663,65 @@
           </a:fontRef>
         </p:style>
       </p:cxnSp>
+      <p:sp>
+        <p:nvSpPr>
+          <p:cNvPr id="9" name="Datumsplatzhalter 8">
+            <a:extLst>
+              <a:ext uri="{FF2B5EF4-FFF2-40B4-BE49-F238E27FC236}">
+                <a16:creationId xmlns:a16="http://schemas.microsoft.com/office/drawing/2014/main" id="{2A264734-39D1-4B24-8784-E454C65C87DE}"/>
+              </a:ext>
+            </a:extLst>
+          </p:cNvPr>
+          <p:cNvSpPr>
+            <a:spLocks noGrp="1"/>
+          </p:cNvSpPr>
+          <p:nvPr>
+            <p:ph type="dt" sz="half" idx="10"/>
+          </p:nvPr>
+        </p:nvSpPr>
+        <p:spPr/>
+        <p:txBody>
+          <a:bodyPr/>
+          <a:lstStyle/>
+          <a:p>
+            <a:fld id="{B246C0C0-3FBB-45C0-83F4-43EA005291CD}" type="datetime4">
+              <a:rPr lang="de-CH" sz="1400" smtClean="0"/>
+              <a:t>27. November 2019</a:t>
+            </a:fld>
+            <a:endParaRPr lang="de-CH" sz="1400" dirty="0"/>
+          </a:p>
+        </p:txBody>
+      </p:sp>
+      <p:sp>
+        <p:nvSpPr>
+          <p:cNvPr id="10" name="Foliennummernplatzhalter 9">
+            <a:extLst>
+              <a:ext uri="{FF2B5EF4-FFF2-40B4-BE49-F238E27FC236}">
+                <a16:creationId xmlns:a16="http://schemas.microsoft.com/office/drawing/2014/main" id="{E6615E3D-F9A5-4B26-AEB8-530F3CA3C31C}"/>
+              </a:ext>
+            </a:extLst>
+          </p:cNvPr>
+          <p:cNvSpPr>
+            <a:spLocks noGrp="1"/>
+          </p:cNvSpPr>
+          <p:nvPr>
+            <p:ph type="sldNum" sz="quarter" idx="12"/>
+          </p:nvPr>
+        </p:nvSpPr>
+        <p:spPr/>
+        <p:txBody>
+          <a:bodyPr/>
+          <a:lstStyle/>
+          <a:p>
+            <a:fld id="{AD87588A-2093-422D-9F8E-968409914A04}" type="slidenum">
+              <a:rPr lang="de-CH" sz="1400" smtClean="0"/>
+              <a:pPr/>
+              <a:t>9</a:t>
+            </a:fld>
+            <a:endParaRPr lang="de-CH" sz="1400" dirty="0"/>
+          </a:p>
+        </p:txBody>
+      </p:sp>
     </p:spTree>
     <p:extLst>
       <p:ext uri="{BB962C8B-B14F-4D97-AF65-F5344CB8AC3E}">
